--- a/Architecture.pptx
+++ b/Architecture.pptx
@@ -5,7 +5,14 @@
     <p:sldMasterId id="2147483648" r:id="rId1"/>
   </p:sldMasterIdLst>
   <p:sldIdLst>
-    <p:sldId id="256" r:id="rId2"/>
+    <p:sldId id="259" r:id="rId2"/>
+    <p:sldId id="257" r:id="rId3"/>
+    <p:sldId id="262" r:id="rId4"/>
+    <p:sldId id="263" r:id="rId5"/>
+    <p:sldId id="258" r:id="rId6"/>
+    <p:sldId id="264" r:id="rId7"/>
+    <p:sldId id="261" r:id="rId8"/>
+    <p:sldId id="256" r:id="rId9"/>
   </p:sldIdLst>
   <p:sldSz cx="12192000" cy="6858000"/>
   <p:notesSz cx="6858000" cy="9144000"/>
@@ -104,6 +111,11 @@
       </a:defRPr>
     </a:lvl9pPr>
   </p:defaultTextStyle>
+  <p:extLst>
+    <p:ext uri="{EFAFB233-063F-42B5-8137-9DF3F51BA10A}">
+      <p15:sldGuideLst xmlns:p15="http://schemas.microsoft.com/office/powerpoint/2012/main"/>
+    </p:ext>
+  </p:extLst>
 </p:presentation>
 </file>
 
@@ -256,7 +268,7 @@
           <a:p>
             <a:fld id="{C93C94CA-6A46-400E-BDD4-DFB5C56E565A}" type="datetimeFigureOut">
               <a:rPr lang="en-IN" smtClean="0"/>
-              <a:t>02-01-2023</a:t>
+              <a:t>03-01-2023</a:t>
             </a:fld>
             <a:endParaRPr lang="en-IN"/>
           </a:p>
@@ -456,7 +468,7 @@
           <a:p>
             <a:fld id="{C93C94CA-6A46-400E-BDD4-DFB5C56E565A}" type="datetimeFigureOut">
               <a:rPr lang="en-IN" smtClean="0"/>
-              <a:t>02-01-2023</a:t>
+              <a:t>03-01-2023</a:t>
             </a:fld>
             <a:endParaRPr lang="en-IN"/>
           </a:p>
@@ -666,7 +678,7 @@
           <a:p>
             <a:fld id="{C93C94CA-6A46-400E-BDD4-DFB5C56E565A}" type="datetimeFigureOut">
               <a:rPr lang="en-IN" smtClean="0"/>
-              <a:t>02-01-2023</a:t>
+              <a:t>03-01-2023</a:t>
             </a:fld>
             <a:endParaRPr lang="en-IN"/>
           </a:p>
@@ -866,7 +878,7 @@
           <a:p>
             <a:fld id="{C93C94CA-6A46-400E-BDD4-DFB5C56E565A}" type="datetimeFigureOut">
               <a:rPr lang="en-IN" smtClean="0"/>
-              <a:t>02-01-2023</a:t>
+              <a:t>03-01-2023</a:t>
             </a:fld>
             <a:endParaRPr lang="en-IN"/>
           </a:p>
@@ -1142,7 +1154,7 @@
           <a:p>
             <a:fld id="{C93C94CA-6A46-400E-BDD4-DFB5C56E565A}" type="datetimeFigureOut">
               <a:rPr lang="en-IN" smtClean="0"/>
-              <a:t>02-01-2023</a:t>
+              <a:t>03-01-2023</a:t>
             </a:fld>
             <a:endParaRPr lang="en-IN"/>
           </a:p>
@@ -1410,7 +1422,7 @@
           <a:p>
             <a:fld id="{C93C94CA-6A46-400E-BDD4-DFB5C56E565A}" type="datetimeFigureOut">
               <a:rPr lang="en-IN" smtClean="0"/>
-              <a:t>02-01-2023</a:t>
+              <a:t>03-01-2023</a:t>
             </a:fld>
             <a:endParaRPr lang="en-IN"/>
           </a:p>
@@ -1825,7 +1837,7 @@
           <a:p>
             <a:fld id="{C93C94CA-6A46-400E-BDD4-DFB5C56E565A}" type="datetimeFigureOut">
               <a:rPr lang="en-IN" smtClean="0"/>
-              <a:t>02-01-2023</a:t>
+              <a:t>03-01-2023</a:t>
             </a:fld>
             <a:endParaRPr lang="en-IN"/>
           </a:p>
@@ -1967,7 +1979,7 @@
           <a:p>
             <a:fld id="{C93C94CA-6A46-400E-BDD4-DFB5C56E565A}" type="datetimeFigureOut">
               <a:rPr lang="en-IN" smtClean="0"/>
-              <a:t>02-01-2023</a:t>
+              <a:t>03-01-2023</a:t>
             </a:fld>
             <a:endParaRPr lang="en-IN"/>
           </a:p>
@@ -2080,7 +2092,7 @@
           <a:p>
             <a:fld id="{C93C94CA-6A46-400E-BDD4-DFB5C56E565A}" type="datetimeFigureOut">
               <a:rPr lang="en-IN" smtClean="0"/>
-              <a:t>02-01-2023</a:t>
+              <a:t>03-01-2023</a:t>
             </a:fld>
             <a:endParaRPr lang="en-IN"/>
           </a:p>
@@ -2393,7 +2405,7 @@
           <a:p>
             <a:fld id="{C93C94CA-6A46-400E-BDD4-DFB5C56E565A}" type="datetimeFigureOut">
               <a:rPr lang="en-IN" smtClean="0"/>
-              <a:t>02-01-2023</a:t>
+              <a:t>03-01-2023</a:t>
             </a:fld>
             <a:endParaRPr lang="en-IN"/>
           </a:p>
@@ -2682,7 +2694,7 @@
           <a:p>
             <a:fld id="{C93C94CA-6A46-400E-BDD4-DFB5C56E565A}" type="datetimeFigureOut">
               <a:rPr lang="en-IN" smtClean="0"/>
-              <a:t>02-01-2023</a:t>
+              <a:t>03-01-2023</a:t>
             </a:fld>
             <a:endParaRPr lang="en-IN"/>
           </a:p>
@@ -2925,7 +2937,7 @@
           <a:p>
             <a:fld id="{C93C94CA-6A46-400E-BDD4-DFB5C56E565A}" type="datetimeFigureOut">
               <a:rPr lang="en-IN" smtClean="0"/>
-              <a:t>02-01-2023</a:t>
+              <a:t>03-01-2023</a:t>
             </a:fld>
             <a:endParaRPr lang="en-IN"/>
           </a:p>
@@ -3344,6 +3356,3212 @@
       </p:grpSpPr>
       <p:sp>
         <p:nvSpPr>
+          <p:cNvPr id="2" name="Title 1">
+            <a:extLst>
+              <a:ext uri="{FF2B5EF4-FFF2-40B4-BE49-F238E27FC236}">
+                <a16:creationId xmlns:a16="http://schemas.microsoft.com/office/drawing/2014/main" id="{25EE8081-C769-17D7-12D8-5B18CA557605}"/>
+              </a:ext>
+            </a:extLst>
+          </p:cNvPr>
+          <p:cNvSpPr>
+            <a:spLocks noGrp="1"/>
+          </p:cNvSpPr>
+          <p:nvPr>
+            <p:ph type="ctrTitle"/>
+          </p:nvPr>
+        </p:nvSpPr>
+        <p:spPr>
+          <a:xfrm>
+            <a:off x="852196" y="1868812"/>
+            <a:ext cx="9144000" cy="2387600"/>
+          </a:xfrm>
+        </p:spPr>
+        <p:txBody>
+          <a:bodyPr>
+            <a:noAutofit/>
+          </a:bodyPr>
+          <a:lstStyle/>
+          <a:p>
+            <a:pPr algn="l"/>
+            <a:r>
+              <a:rPr lang="en-IN" sz="4400" b="1" dirty="0">
+                <a:solidFill>
+                  <a:schemeClr val="accent1">
+                    <a:lumMod val="75000"/>
+                  </a:schemeClr>
+                </a:solidFill>
+              </a:rPr>
+              <a:t>Data Versioning and reproducible ML in </a:t>
+            </a:r>
+            <a:r>
+              <a:rPr lang="en-IN" sz="4400" b="1" dirty="0" err="1">
+                <a:solidFill>
+                  <a:schemeClr val="accent1">
+                    <a:lumMod val="75000"/>
+                  </a:schemeClr>
+                </a:solidFill>
+              </a:rPr>
+              <a:t>Jupyter</a:t>
+            </a:r>
+            <a:r>
+              <a:rPr lang="en-IN" sz="4400" b="1" dirty="0">
+                <a:solidFill>
+                  <a:schemeClr val="accent1">
+                    <a:lumMod val="75000"/>
+                  </a:schemeClr>
+                </a:solidFill>
+              </a:rPr>
+              <a:t> Notebook using DVC, Feast, Papermill and </a:t>
+            </a:r>
+            <a:r>
+              <a:rPr lang="en-IN" sz="4400" b="1" dirty="0" err="1">
+                <a:solidFill>
+                  <a:schemeClr val="accent1">
+                    <a:lumMod val="75000"/>
+                  </a:schemeClr>
+                </a:solidFill>
+              </a:rPr>
+              <a:t>MLflow</a:t>
+            </a:r>
+            <a:endParaRPr lang="en-IN" sz="4400" b="1" dirty="0">
+              <a:solidFill>
+                <a:schemeClr val="accent1">
+                  <a:lumMod val="75000"/>
+                </a:schemeClr>
+              </a:solidFill>
+            </a:endParaRPr>
+          </a:p>
+        </p:txBody>
+      </p:sp>
+      <p:pic>
+        <p:nvPicPr>
+          <p:cNvPr id="4" name="Picture 3">
+            <a:extLst>
+              <a:ext uri="{FF2B5EF4-FFF2-40B4-BE49-F238E27FC236}">
+                <a16:creationId xmlns:a16="http://schemas.microsoft.com/office/drawing/2014/main" id="{75EC24ED-20AD-9939-2987-F14D15364176}"/>
+              </a:ext>
+            </a:extLst>
+          </p:cNvPr>
+          <p:cNvPicPr>
+            <a:picLocks noChangeAspect="1"/>
+          </p:cNvPicPr>
+          <p:nvPr/>
+        </p:nvPicPr>
+        <p:blipFill>
+          <a:blip r:embed="rId2"/>
+          <a:stretch>
+            <a:fillRect/>
+          </a:stretch>
+        </p:blipFill>
+        <p:spPr>
+          <a:xfrm>
+            <a:off x="742872" y="4687835"/>
+            <a:ext cx="1813052" cy="1185277"/>
+          </a:xfrm>
+          <a:prstGeom prst="rect">
+            <a:avLst/>
+          </a:prstGeom>
+        </p:spPr>
+      </p:pic>
+      <p:pic>
+        <p:nvPicPr>
+          <p:cNvPr id="5" name="Picture 4">
+            <a:extLst>
+              <a:ext uri="{FF2B5EF4-FFF2-40B4-BE49-F238E27FC236}">
+                <a16:creationId xmlns:a16="http://schemas.microsoft.com/office/drawing/2014/main" id="{8E652840-936C-09DA-1717-0DEA42245097}"/>
+              </a:ext>
+            </a:extLst>
+          </p:cNvPr>
+          <p:cNvPicPr>
+            <a:picLocks noChangeAspect="1"/>
+          </p:cNvPicPr>
+          <p:nvPr/>
+        </p:nvPicPr>
+        <p:blipFill>
+          <a:blip r:embed="rId3"/>
+          <a:stretch>
+            <a:fillRect/>
+          </a:stretch>
+        </p:blipFill>
+        <p:spPr>
+          <a:xfrm>
+            <a:off x="439971" y="581129"/>
+            <a:ext cx="4231905" cy="856260"/>
+          </a:xfrm>
+          <a:prstGeom prst="rect">
+            <a:avLst/>
+          </a:prstGeom>
+          <a:effectLst>
+            <a:outerShdw blurRad="50800" dist="50800" dir="5400000" algn="ctr" rotWithShape="0">
+              <a:srgbClr val="000000">
+                <a:alpha val="1000"/>
+              </a:srgbClr>
+            </a:outerShdw>
+          </a:effectLst>
+        </p:spPr>
+      </p:pic>
+      <p:pic>
+        <p:nvPicPr>
+          <p:cNvPr id="6" name="Picture 5">
+            <a:extLst>
+              <a:ext uri="{FF2B5EF4-FFF2-40B4-BE49-F238E27FC236}">
+                <a16:creationId xmlns:a16="http://schemas.microsoft.com/office/drawing/2014/main" id="{8C7253BB-A702-5EEE-67C4-196DEB03BA94}"/>
+              </a:ext>
+            </a:extLst>
+          </p:cNvPr>
+          <p:cNvPicPr>
+            <a:picLocks noChangeAspect="1"/>
+          </p:cNvPicPr>
+          <p:nvPr/>
+        </p:nvPicPr>
+        <p:blipFill>
+          <a:blip r:embed="rId4"/>
+          <a:stretch>
+            <a:fillRect/>
+          </a:stretch>
+        </p:blipFill>
+        <p:spPr>
+          <a:xfrm>
+            <a:off x="8013501" y="4592046"/>
+            <a:ext cx="3605438" cy="1049858"/>
+          </a:xfrm>
+          <a:prstGeom prst="rect">
+            <a:avLst/>
+          </a:prstGeom>
+        </p:spPr>
+      </p:pic>
+      <p:pic>
+        <p:nvPicPr>
+          <p:cNvPr id="7" name="Picture 6">
+            <a:extLst>
+              <a:ext uri="{FF2B5EF4-FFF2-40B4-BE49-F238E27FC236}">
+                <a16:creationId xmlns:a16="http://schemas.microsoft.com/office/drawing/2014/main" id="{E70E69AC-EA1E-849C-F406-97AE9997D814}"/>
+              </a:ext>
+            </a:extLst>
+          </p:cNvPr>
+          <p:cNvPicPr>
+            <a:picLocks noChangeAspect="1"/>
+          </p:cNvPicPr>
+          <p:nvPr/>
+        </p:nvPicPr>
+        <p:blipFill>
+          <a:blip r:embed="rId5"/>
+          <a:stretch>
+            <a:fillRect/>
+          </a:stretch>
+        </p:blipFill>
+        <p:spPr>
+          <a:xfrm>
+            <a:off x="8127311" y="185252"/>
+            <a:ext cx="3212493" cy="1111703"/>
+          </a:xfrm>
+          <a:prstGeom prst="rect">
+            <a:avLst/>
+          </a:prstGeom>
+        </p:spPr>
+      </p:pic>
+      <p:pic>
+        <p:nvPicPr>
+          <p:cNvPr id="8" name="Picture 7" descr="A picture containing text, lamp&#10;&#10;Description automatically generated">
+            <a:extLst>
+              <a:ext uri="{FF2B5EF4-FFF2-40B4-BE49-F238E27FC236}">
+                <a16:creationId xmlns:a16="http://schemas.microsoft.com/office/drawing/2014/main" id="{16077586-8AB7-5B60-34E1-E12A5D30FE06}"/>
+              </a:ext>
+            </a:extLst>
+          </p:cNvPr>
+          <p:cNvPicPr>
+            <a:picLocks noChangeAspect="1"/>
+          </p:cNvPicPr>
+          <p:nvPr/>
+        </p:nvPicPr>
+        <p:blipFill>
+          <a:blip r:embed="rId6">
+            <a:extLst>
+              <a:ext uri="{28A0092B-C50C-407E-A947-70E740481C1C}">
+                <a14:useLocalDpi xmlns:a14="http://schemas.microsoft.com/office/drawing/2010/main" val="0"/>
+              </a:ext>
+            </a:extLst>
+          </a:blip>
+          <a:stretch>
+            <a:fillRect/>
+          </a:stretch>
+        </p:blipFill>
+        <p:spPr>
+          <a:xfrm>
+            <a:off x="4905640" y="4735378"/>
+            <a:ext cx="1813052" cy="1813052"/>
+          </a:xfrm>
+          <a:prstGeom prst="rect">
+            <a:avLst/>
+          </a:prstGeom>
+        </p:spPr>
+      </p:pic>
+    </p:spTree>
+    <p:extLst>
+      <p:ext uri="{BB962C8B-B14F-4D97-AF65-F5344CB8AC3E}">
+        <p14:creationId xmlns:p14="http://schemas.microsoft.com/office/powerpoint/2010/main" val="1607662324"/>
+      </p:ext>
+    </p:extLst>
+  </p:cSld>
+  <p:clrMapOvr>
+    <a:masterClrMapping/>
+  </p:clrMapOvr>
+</p:sld>
+</file>
+
+<file path=ppt/slides/slide2.xml><?xml version="1.0" encoding="utf-8"?>
+<p:sld xmlns:a="http://schemas.openxmlformats.org/drawingml/2006/main" xmlns:r="http://schemas.openxmlformats.org/officeDocument/2006/relationships" xmlns:p="http://schemas.openxmlformats.org/presentationml/2006/main">
+  <p:cSld>
+    <p:bg>
+      <p:bgPr>
+        <a:solidFill>
+          <a:schemeClr val="bg1"/>
+        </a:solidFill>
+        <a:effectLst/>
+      </p:bgPr>
+    </p:bg>
+    <p:spTree>
+      <p:nvGrpSpPr>
+        <p:cNvPr id="1" name=""/>
+        <p:cNvGrpSpPr/>
+        <p:nvPr/>
+      </p:nvGrpSpPr>
+      <p:grpSpPr>
+        <a:xfrm>
+          <a:off x="0" y="0"/>
+          <a:ext cx="0" cy="0"/>
+          <a:chOff x="0" y="0"/>
+          <a:chExt cx="0" cy="0"/>
+        </a:xfrm>
+      </p:grpSpPr>
+      <p:sp>
+        <p:nvSpPr>
+          <p:cNvPr id="1031" name="Rectangle 1030">
+            <a:extLst>
+              <a:ext uri="{FF2B5EF4-FFF2-40B4-BE49-F238E27FC236}">
+                <a16:creationId xmlns:a16="http://schemas.microsoft.com/office/drawing/2014/main" id="{2B566528-1B12-4246-9431-5C2D7D081168}"/>
+              </a:ext>
+              <a:ext uri="{C183D7F6-B498-43B3-948B-1728B52AA6E4}">
+                <adec:decorative xmlns:adec="http://schemas.microsoft.com/office/drawing/2017/decorative" val="1"/>
+              </a:ext>
+            </a:extLst>
+          </p:cNvPr>
+          <p:cNvSpPr>
+            <a:spLocks noGrp="1" noRot="1" noChangeAspect="1" noMove="1" noResize="1" noEditPoints="1" noAdjustHandles="1" noChangeArrowheads="1" noChangeShapeType="1" noTextEdit="1"/>
+          </p:cNvSpPr>
+          <p:nvPr>
+            <p:extLst>
+              <p:ext uri="{386F3935-93C4-4BCD-93E2-E3B085C9AB24}">
+                <p16:designElem xmlns:p16="http://schemas.microsoft.com/office/powerpoint/2015/main" val="1"/>
+              </p:ext>
+            </p:extLst>
+          </p:nvPr>
+        </p:nvSpPr>
+        <p:spPr>
+          <a:xfrm>
+            <a:off x="0" y="0"/>
+            <a:ext cx="12192000" cy="6858000"/>
+          </a:xfrm>
+          <a:prstGeom prst="rect">
+            <a:avLst/>
+          </a:prstGeom>
+          <a:solidFill>
+            <a:schemeClr val="bg1"/>
+          </a:solidFill>
+          <a:ln>
+            <a:noFill/>
+          </a:ln>
+        </p:spPr>
+        <p:style>
+          <a:lnRef idx="2">
+            <a:schemeClr val="accent1">
+              <a:shade val="50000"/>
+            </a:schemeClr>
+          </a:lnRef>
+          <a:fillRef idx="1">
+            <a:schemeClr val="accent1"/>
+          </a:fillRef>
+          <a:effectRef idx="0">
+            <a:schemeClr val="accent1"/>
+          </a:effectRef>
+          <a:fontRef idx="minor">
+            <a:schemeClr val="lt1"/>
+          </a:fontRef>
+        </p:style>
+        <p:txBody>
+          <a:bodyPr rtlCol="0" anchor="ctr"/>
+          <a:lstStyle/>
+          <a:p>
+            <a:pPr algn="ctr"/>
+            <a:endParaRPr lang="en-US" dirty="0"/>
+          </a:p>
+        </p:txBody>
+      </p:sp>
+      <p:sp>
+        <p:nvSpPr>
+          <p:cNvPr id="3" name="TextBox 2">
+            <a:extLst>
+              <a:ext uri="{FF2B5EF4-FFF2-40B4-BE49-F238E27FC236}">
+                <a16:creationId xmlns:a16="http://schemas.microsoft.com/office/drawing/2014/main" id="{71978F7F-DB62-FF46-9CAD-0439C8A604D6}"/>
+              </a:ext>
+            </a:extLst>
+          </p:cNvPr>
+          <p:cNvSpPr txBox="1"/>
+          <p:nvPr/>
+        </p:nvSpPr>
+        <p:spPr>
+          <a:xfrm>
+            <a:off x="643469" y="1782981"/>
+            <a:ext cx="4008384" cy="4393982"/>
+          </a:xfrm>
+          <a:prstGeom prst="rect">
+            <a:avLst/>
+          </a:prstGeom>
+        </p:spPr>
+        <p:txBody>
+          <a:bodyPr vert="horz" lIns="91440" tIns="45720" rIns="91440" bIns="45720" rtlCol="0">
+            <a:normAutofit fontScale="92500" lnSpcReduction="10000"/>
+          </a:bodyPr>
+          <a:lstStyle/>
+          <a:p>
+            <a:pPr indent="-228600">
+              <a:lnSpc>
+                <a:spcPct val="90000"/>
+              </a:lnSpc>
+              <a:spcAft>
+                <a:spcPts val="600"/>
+              </a:spcAft>
+              <a:buFont typeface="Arial" panose="020B0604020202020204" pitchFamily="34" charset="0"/>
+              <a:buChar char="•"/>
+            </a:pPr>
+            <a:r>
+              <a:rPr lang="en-US" sz="1400" b="1" i="0" u="sng" dirty="0">
+                <a:effectLst/>
+                <a:hlinkClick r:id="rId2"/>
+              </a:rPr>
+              <a:t>Papermill</a:t>
+            </a:r>
+            <a:r>
+              <a:rPr lang="en-US" sz="1400" b="0" i="0" dirty="0">
+                <a:effectLst/>
+              </a:rPr>
+              <a:t> is a library for parameterizing, executing, and analyzing </a:t>
+            </a:r>
+            <a:r>
+              <a:rPr lang="en-US" sz="1400" b="0" i="0" dirty="0" err="1">
+                <a:effectLst/>
+              </a:rPr>
+              <a:t>Jupyter</a:t>
+            </a:r>
+            <a:r>
+              <a:rPr lang="en-US" sz="1400" b="0" i="0" dirty="0">
+                <a:effectLst/>
+              </a:rPr>
+              <a:t> notebooks. With it, you can spawn multiple notebooks with different parameter sets and execute them concurrently. Papermill can also help collect and summarize metrics from a collection of notebooks.</a:t>
+            </a:r>
+          </a:p>
+          <a:p>
+            <a:pPr indent="-228600">
+              <a:lnSpc>
+                <a:spcPct val="90000"/>
+              </a:lnSpc>
+              <a:spcAft>
+                <a:spcPts val="600"/>
+              </a:spcAft>
+              <a:buFont typeface="Arial" panose="020B0604020202020204" pitchFamily="34" charset="0"/>
+              <a:buChar char="•"/>
+            </a:pPr>
+            <a:endParaRPr lang="en-US" sz="1400" dirty="0"/>
+          </a:p>
+          <a:p>
+            <a:pPr indent="-228600">
+              <a:lnSpc>
+                <a:spcPct val="90000"/>
+              </a:lnSpc>
+              <a:spcAft>
+                <a:spcPts val="600"/>
+              </a:spcAft>
+              <a:buFont typeface="Arial" panose="020B0604020202020204" pitchFamily="34" charset="0"/>
+              <a:buChar char="•"/>
+            </a:pPr>
+            <a:r>
+              <a:rPr lang="en-US" sz="1400" b="0" i="0" dirty="0">
+                <a:effectLst/>
+              </a:rPr>
+              <a:t>A parameterized notebook is a notebook which allows you to specify parameters in your code and accept input values at runtime. This provides an excellent mechanism for users to define notebooks as reusable templates.</a:t>
+            </a:r>
+          </a:p>
+          <a:p>
+            <a:pPr indent="-228600">
+              <a:lnSpc>
+                <a:spcPct val="90000"/>
+              </a:lnSpc>
+              <a:spcAft>
+                <a:spcPts val="600"/>
+              </a:spcAft>
+              <a:buFont typeface="Arial" panose="020B0604020202020204" pitchFamily="34" charset="0"/>
+              <a:buChar char="•"/>
+            </a:pPr>
+            <a:endParaRPr lang="en-US" sz="1400" dirty="0"/>
+          </a:p>
+          <a:p>
+            <a:pPr indent="-228600">
+              <a:lnSpc>
+                <a:spcPct val="90000"/>
+              </a:lnSpc>
+              <a:spcAft>
+                <a:spcPts val="600"/>
+              </a:spcAft>
+              <a:buFont typeface="Arial" panose="020B0604020202020204" pitchFamily="34" charset="0"/>
+              <a:buChar char="•"/>
+            </a:pPr>
+            <a:r>
+              <a:rPr lang="en-US" sz="1400" b="0" i="0" dirty="0">
+                <a:effectLst/>
+              </a:rPr>
+              <a:t>Papermill doesn’t modify the source notebook, we get a functional property added to our definition of work </a:t>
+            </a:r>
+          </a:p>
+          <a:p>
+            <a:pPr indent="-228600">
+              <a:lnSpc>
+                <a:spcPct val="90000"/>
+              </a:lnSpc>
+              <a:spcAft>
+                <a:spcPts val="600"/>
+              </a:spcAft>
+              <a:buFont typeface="Arial" panose="020B0604020202020204" pitchFamily="34" charset="0"/>
+              <a:buChar char="•"/>
+            </a:pPr>
+            <a:endParaRPr lang="en-US" sz="1400" dirty="0"/>
+          </a:p>
+          <a:p>
+            <a:pPr>
+              <a:lnSpc>
+                <a:spcPct val="90000"/>
+              </a:lnSpc>
+              <a:spcAft>
+                <a:spcPts val="600"/>
+              </a:spcAft>
+            </a:pPr>
+            <a:r>
+              <a:rPr lang="en-US" sz="1400" dirty="0"/>
+              <a:t>Sample Executor:</a:t>
+            </a:r>
+          </a:p>
+          <a:p>
+            <a:pPr algn="just">
+              <a:lnSpc>
+                <a:spcPct val="90000"/>
+              </a:lnSpc>
+              <a:spcAft>
+                <a:spcPts val="600"/>
+              </a:spcAft>
+            </a:pPr>
+            <a:r>
+              <a:rPr lang="en-IN" sz="1050" dirty="0"/>
+              <a:t>Papermill </a:t>
+            </a:r>
+          </a:p>
+          <a:p>
+            <a:pPr algn="just">
+              <a:lnSpc>
+                <a:spcPct val="90000"/>
+              </a:lnSpc>
+              <a:spcAft>
+                <a:spcPts val="600"/>
+              </a:spcAft>
+            </a:pPr>
+            <a:r>
+              <a:rPr lang="en-IN" sz="1050" dirty="0"/>
+              <a:t>//input/notebook/location/</a:t>
+            </a:r>
+            <a:r>
+              <a:rPr lang="en-IN" sz="1050" dirty="0" err="1"/>
+              <a:t>notebook_file.ipynb</a:t>
+            </a:r>
+            <a:endParaRPr lang="en-IN" sz="1050" dirty="0"/>
+          </a:p>
+          <a:p>
+            <a:pPr algn="just">
+              <a:lnSpc>
+                <a:spcPct val="90000"/>
+              </a:lnSpc>
+              <a:spcAft>
+                <a:spcPts val="600"/>
+              </a:spcAft>
+            </a:pPr>
+            <a:r>
+              <a:rPr lang="en-IN" sz="1050" dirty="0"/>
+              <a:t>//output/notebook/location/${timestamp}_notebook_file_fr.ipynb </a:t>
+            </a:r>
+          </a:p>
+          <a:p>
+            <a:pPr algn="just">
+              <a:lnSpc>
+                <a:spcPct val="90000"/>
+              </a:lnSpc>
+              <a:spcAft>
+                <a:spcPts val="600"/>
+              </a:spcAft>
+            </a:pPr>
+            <a:r>
+              <a:rPr lang="en-IN" sz="1050" dirty="0"/>
+              <a:t>-p param1 value1</a:t>
+            </a:r>
+            <a:endParaRPr lang="en-US" sz="1050" dirty="0"/>
+          </a:p>
+        </p:txBody>
+      </p:sp>
+      <p:grpSp>
+        <p:nvGrpSpPr>
+          <p:cNvPr id="1033" name="Group 1032">
+            <a:extLst>
+              <a:ext uri="{FF2B5EF4-FFF2-40B4-BE49-F238E27FC236}">
+                <a16:creationId xmlns:a16="http://schemas.microsoft.com/office/drawing/2014/main" id="{828A5161-06F1-46CF-8AD7-844680A59E13}"/>
+              </a:ext>
+              <a:ext uri="{C183D7F6-B498-43B3-948B-1728B52AA6E4}">
+                <adec:decorative xmlns:adec="http://schemas.microsoft.com/office/drawing/2017/decorative" val="1"/>
+              </a:ext>
+            </a:extLst>
+          </p:cNvPr>
+          <p:cNvGrpSpPr>
+            <a:grpSpLocks noGrp="1" noUngrp="1" noRot="1" noChangeAspect="1" noMove="1" noResize="1"/>
+          </p:cNvGrpSpPr>
+          <p:nvPr>
+            <p:extLst>
+              <p:ext uri="{386F3935-93C4-4BCD-93E2-E3B085C9AB24}">
+                <p16:designElem xmlns:p16="http://schemas.microsoft.com/office/powerpoint/2015/main" val="1"/>
+              </p:ext>
+            </p:extLst>
+          </p:nvPr>
+        </p:nvGrpSpPr>
+        <p:grpSpPr>
+          <a:xfrm>
+            <a:off x="0" y="4601497"/>
+            <a:ext cx="1014060" cy="2017580"/>
+            <a:chOff x="0" y="4601497"/>
+            <a:chExt cx="1014060" cy="2017580"/>
+          </a:xfrm>
+        </p:grpSpPr>
+        <p:sp>
+          <p:nvSpPr>
+            <p:cNvPr id="1034" name="Isosceles Triangle 1033">
+              <a:extLst>
+                <a:ext uri="{FF2B5EF4-FFF2-40B4-BE49-F238E27FC236}">
+                  <a16:creationId xmlns:a16="http://schemas.microsoft.com/office/drawing/2014/main" id="{D3F51FEB-38FB-4F6C-9F7B-2F2AFAB65463}"/>
+                </a:ext>
+                <a:ext uri="{C183D7F6-B498-43B3-948B-1728B52AA6E4}">
+                  <adec:decorative xmlns:adec="http://schemas.microsoft.com/office/drawing/2017/decorative" val="1"/>
+                </a:ext>
+              </a:extLst>
+            </p:cNvPr>
+            <p:cNvSpPr/>
+            <p:nvPr>
+              <p:extLst>
+                <p:ext uri="{386F3935-93C4-4BCD-93E2-E3B085C9AB24}">
+                  <p16:designElem xmlns:p16="http://schemas.microsoft.com/office/powerpoint/2015/main" val="1"/>
+                </p:ext>
+              </p:extLst>
+            </p:nvPr>
+          </p:nvSpPr>
+          <p:spPr>
+            <a:xfrm rot="5400000">
+              <a:off x="-501760" y="5103257"/>
+              <a:ext cx="2017580" cy="1014060"/>
+            </a:xfrm>
+            <a:prstGeom prst="triangle">
+              <a:avLst>
+                <a:gd name="adj" fmla="val 50000"/>
+              </a:avLst>
+            </a:prstGeom>
+            <a:solidFill>
+              <a:schemeClr val="accent1">
+                <a:alpha val="30000"/>
+              </a:schemeClr>
+            </a:solidFill>
+            <a:ln>
+              <a:noFill/>
+            </a:ln>
+          </p:spPr>
+          <p:style>
+            <a:lnRef idx="2">
+              <a:schemeClr val="accent1">
+                <a:shade val="50000"/>
+              </a:schemeClr>
+            </a:lnRef>
+            <a:fillRef idx="1">
+              <a:schemeClr val="accent1"/>
+            </a:fillRef>
+            <a:effectRef idx="0">
+              <a:schemeClr val="accent1"/>
+            </a:effectRef>
+            <a:fontRef idx="minor">
+              <a:schemeClr val="lt1"/>
+            </a:fontRef>
+          </p:style>
+          <p:txBody>
+            <a:bodyPr rtlCol="0" anchor="ctr"/>
+            <a:lstStyle/>
+            <a:p>
+              <a:pPr algn="ctr"/>
+              <a:endParaRPr lang="en-US"/>
+            </a:p>
+          </p:txBody>
+        </p:sp>
+        <p:sp>
+          <p:nvSpPr>
+            <p:cNvPr id="1035" name="Rectangle 1034">
+              <a:extLst>
+                <a:ext uri="{FF2B5EF4-FFF2-40B4-BE49-F238E27FC236}">
+                  <a16:creationId xmlns:a16="http://schemas.microsoft.com/office/drawing/2014/main" id="{1E547BA6-BAE0-43BB-A7CA-60F69CE252F0}"/>
+                </a:ext>
+                <a:ext uri="{C183D7F6-B498-43B3-948B-1728B52AA6E4}">
+                  <adec:decorative xmlns:adec="http://schemas.microsoft.com/office/drawing/2017/decorative" val="1"/>
+                </a:ext>
+              </a:extLst>
+            </p:cNvPr>
+            <p:cNvSpPr/>
+            <p:nvPr>
+              <p:extLst>
+                <p:ext uri="{386F3935-93C4-4BCD-93E2-E3B085C9AB24}">
+                  <p16:designElem xmlns:p16="http://schemas.microsoft.com/office/powerpoint/2015/main" val="1"/>
+                </p:ext>
+              </p:extLst>
+            </p:nvPr>
+          </p:nvSpPr>
+          <p:spPr>
+            <a:xfrm rot="2700000">
+              <a:off x="427916" y="5728708"/>
+              <a:ext cx="485578" cy="485578"/>
+            </a:xfrm>
+            <a:prstGeom prst="rect">
+              <a:avLst/>
+            </a:prstGeom>
+            <a:solidFill>
+              <a:schemeClr val="accent1">
+                <a:alpha val="30000"/>
+              </a:schemeClr>
+            </a:solidFill>
+            <a:ln>
+              <a:noFill/>
+            </a:ln>
+          </p:spPr>
+          <p:style>
+            <a:lnRef idx="2">
+              <a:schemeClr val="accent1">
+                <a:shade val="50000"/>
+              </a:schemeClr>
+            </a:lnRef>
+            <a:fillRef idx="1">
+              <a:schemeClr val="accent1"/>
+            </a:fillRef>
+            <a:effectRef idx="0">
+              <a:schemeClr val="accent1"/>
+            </a:effectRef>
+            <a:fontRef idx="minor">
+              <a:schemeClr val="lt1"/>
+            </a:fontRef>
+          </p:style>
+          <p:txBody>
+            <a:bodyPr rtlCol="0" anchor="ctr"/>
+            <a:lstStyle/>
+            <a:p>
+              <a:pPr algn="ctr"/>
+              <a:endParaRPr lang="en-US"/>
+            </a:p>
+          </p:txBody>
+        </p:sp>
+      </p:grpSp>
+      <p:pic>
+        <p:nvPicPr>
+          <p:cNvPr id="1026" name="Picture 2">
+            <a:extLst>
+              <a:ext uri="{FF2B5EF4-FFF2-40B4-BE49-F238E27FC236}">
+                <a16:creationId xmlns:a16="http://schemas.microsoft.com/office/drawing/2014/main" id="{A4F58D3B-634E-DCCD-25BA-22BC3867CF6F}"/>
+              </a:ext>
+            </a:extLst>
+          </p:cNvPr>
+          <p:cNvPicPr>
+            <a:picLocks noChangeAspect="1" noChangeArrowheads="1"/>
+          </p:cNvPicPr>
+          <p:nvPr/>
+        </p:nvPicPr>
+        <p:blipFill>
+          <a:blip r:embed="rId3">
+            <a:extLst>
+              <a:ext uri="{28A0092B-C50C-407E-A947-70E740481C1C}">
+                <a14:useLocalDpi xmlns:a14="http://schemas.microsoft.com/office/drawing/2010/main" val="0"/>
+              </a:ext>
+            </a:extLst>
+          </a:blip>
+          <a:stretch>
+            <a:fillRect/>
+          </a:stretch>
+        </p:blipFill>
+        <p:spPr bwMode="auto">
+          <a:xfrm>
+            <a:off x="5295320" y="2189578"/>
+            <a:ext cx="6253212" cy="3548697"/>
+          </a:xfrm>
+          <a:prstGeom prst="rect">
+            <a:avLst/>
+          </a:prstGeom>
+          <a:noFill/>
+          <a:extLst>
+            <a:ext uri="{909E8E84-426E-40DD-AFC4-6F175D3DCCD1}">
+              <a14:hiddenFill xmlns:a14="http://schemas.microsoft.com/office/drawing/2010/main">
+                <a:solidFill>
+                  <a:srgbClr val="FFFFFF"/>
+                </a:solidFill>
+              </a14:hiddenFill>
+            </a:ext>
+          </a:extLst>
+        </p:spPr>
+      </p:pic>
+      <p:grpSp>
+        <p:nvGrpSpPr>
+          <p:cNvPr id="1037" name="Group 1036">
+            <a:extLst>
+              <a:ext uri="{FF2B5EF4-FFF2-40B4-BE49-F238E27FC236}">
+                <a16:creationId xmlns:a16="http://schemas.microsoft.com/office/drawing/2014/main" id="{5995D10D-E9C9-47DB-AE7E-801FEF38F5C9}"/>
+              </a:ext>
+              <a:ext uri="{C183D7F6-B498-43B3-948B-1728B52AA6E4}">
+                <adec:decorative xmlns:adec="http://schemas.microsoft.com/office/drawing/2017/decorative" val="1"/>
+              </a:ext>
+            </a:extLst>
+          </p:cNvPr>
+          <p:cNvGrpSpPr>
+            <a:grpSpLocks noGrp="1" noUngrp="1" noRot="1" noChangeAspect="1" noMove="1" noResize="1"/>
+          </p:cNvGrpSpPr>
+          <p:nvPr>
+            <p:extLst>
+              <p:ext uri="{386F3935-93C4-4BCD-93E2-E3B085C9AB24}">
+                <p16:designElem xmlns:p16="http://schemas.microsoft.com/office/powerpoint/2015/main" val="1"/>
+              </p:ext>
+            </p:extLst>
+          </p:nvPr>
+        </p:nvGrpSpPr>
+        <p:grpSpPr>
+          <a:xfrm>
+            <a:off x="11219290" y="1"/>
+            <a:ext cx="972709" cy="1935307"/>
+            <a:chOff x="10918968" y="713127"/>
+            <a:chExt cx="1273032" cy="2532832"/>
+          </a:xfrm>
+        </p:grpSpPr>
+        <p:sp>
+          <p:nvSpPr>
+            <p:cNvPr id="1038" name="Rectangle 1037">
+              <a:extLst>
+                <a:ext uri="{FF2B5EF4-FFF2-40B4-BE49-F238E27FC236}">
+                  <a16:creationId xmlns:a16="http://schemas.microsoft.com/office/drawing/2014/main" id="{CC1A72C6-3DE4-4EC3-9AD5-9E0D40D8CE8A}"/>
+                </a:ext>
+                <a:ext uri="{C183D7F6-B498-43B3-948B-1728B52AA6E4}">
+                  <adec:decorative xmlns:adec="http://schemas.microsoft.com/office/drawing/2017/decorative" val="1"/>
+                </a:ext>
+              </a:extLst>
+            </p:cNvPr>
+            <p:cNvSpPr/>
+            <p:nvPr>
+              <p:extLst>
+                <p:ext uri="{386F3935-93C4-4BCD-93E2-E3B085C9AB24}">
+                  <p16:designElem xmlns:p16="http://schemas.microsoft.com/office/powerpoint/2015/main" val="1"/>
+                </p:ext>
+              </p:extLst>
+            </p:nvPr>
+          </p:nvSpPr>
+          <p:spPr>
+            <a:xfrm rot="2700000">
+              <a:off x="11052629" y="2120024"/>
+              <a:ext cx="645368" cy="645368"/>
+            </a:xfrm>
+            <a:prstGeom prst="rect">
+              <a:avLst/>
+            </a:prstGeom>
+            <a:solidFill>
+              <a:schemeClr val="accent4">
+                <a:alpha val="30000"/>
+              </a:schemeClr>
+            </a:solidFill>
+            <a:ln>
+              <a:noFill/>
+            </a:ln>
+          </p:spPr>
+          <p:style>
+            <a:lnRef idx="2">
+              <a:schemeClr val="accent1">
+                <a:shade val="50000"/>
+              </a:schemeClr>
+            </a:lnRef>
+            <a:fillRef idx="1">
+              <a:schemeClr val="accent1"/>
+            </a:fillRef>
+            <a:effectRef idx="0">
+              <a:schemeClr val="accent1"/>
+            </a:effectRef>
+            <a:fontRef idx="minor">
+              <a:schemeClr val="lt1"/>
+            </a:fontRef>
+          </p:style>
+          <p:txBody>
+            <a:bodyPr rtlCol="0" anchor="ctr"/>
+            <a:lstStyle/>
+            <a:p>
+              <a:pPr algn="ctr"/>
+              <a:endParaRPr lang="en-US"/>
+            </a:p>
+          </p:txBody>
+        </p:sp>
+        <p:sp>
+          <p:nvSpPr>
+            <p:cNvPr id="1039" name="Isosceles Triangle 1038">
+              <a:extLst>
+                <a:ext uri="{FF2B5EF4-FFF2-40B4-BE49-F238E27FC236}">
+                  <a16:creationId xmlns:a16="http://schemas.microsoft.com/office/drawing/2014/main" id="{0B0DA1F1-C391-4EDF-9FE0-23E86E137765}"/>
+                </a:ext>
+                <a:ext uri="{C183D7F6-B498-43B3-948B-1728B52AA6E4}">
+                  <adec:decorative xmlns:adec="http://schemas.microsoft.com/office/drawing/2017/decorative" val="1"/>
+                </a:ext>
+              </a:extLst>
+            </p:cNvPr>
+            <p:cNvSpPr/>
+            <p:nvPr>
+              <p:extLst>
+                <p:ext uri="{386F3935-93C4-4BCD-93E2-E3B085C9AB24}">
+                  <p16:designElem xmlns:p16="http://schemas.microsoft.com/office/powerpoint/2015/main" val="1"/>
+                </p:ext>
+              </p:extLst>
+            </p:nvPr>
+          </p:nvSpPr>
+          <p:spPr>
+            <a:xfrm rot="16200000">
+              <a:off x="10289068" y="1343027"/>
+              <a:ext cx="2532832" cy="1273032"/>
+            </a:xfrm>
+            <a:prstGeom prst="triangle">
+              <a:avLst>
+                <a:gd name="adj" fmla="val 50000"/>
+              </a:avLst>
+            </a:prstGeom>
+            <a:solidFill>
+              <a:schemeClr val="accent4">
+                <a:alpha val="30000"/>
+              </a:schemeClr>
+            </a:solidFill>
+            <a:ln>
+              <a:noFill/>
+            </a:ln>
+          </p:spPr>
+          <p:style>
+            <a:lnRef idx="2">
+              <a:schemeClr val="accent1">
+                <a:shade val="50000"/>
+              </a:schemeClr>
+            </a:lnRef>
+            <a:fillRef idx="1">
+              <a:schemeClr val="accent1"/>
+            </a:fillRef>
+            <a:effectRef idx="0">
+              <a:schemeClr val="accent1"/>
+            </a:effectRef>
+            <a:fontRef idx="minor">
+              <a:schemeClr val="lt1"/>
+            </a:fontRef>
+          </p:style>
+          <p:txBody>
+            <a:bodyPr rtlCol="0" anchor="ctr"/>
+            <a:lstStyle/>
+            <a:p>
+              <a:pPr algn="ctr"/>
+              <a:endParaRPr lang="en-US" dirty="0"/>
+            </a:p>
+          </p:txBody>
+        </p:sp>
+      </p:grpSp>
+      <p:sp>
+        <p:nvSpPr>
+          <p:cNvPr id="5" name="TextBox 4">
+            <a:extLst>
+              <a:ext uri="{FF2B5EF4-FFF2-40B4-BE49-F238E27FC236}">
+                <a16:creationId xmlns:a16="http://schemas.microsoft.com/office/drawing/2014/main" id="{5DC8CC71-E2CD-D9BA-BB39-C81A98778C24}"/>
+              </a:ext>
+            </a:extLst>
+          </p:cNvPr>
+          <p:cNvSpPr txBox="1"/>
+          <p:nvPr/>
+        </p:nvSpPr>
+        <p:spPr>
+          <a:xfrm>
+            <a:off x="6015913" y="6176963"/>
+            <a:ext cx="6097554" cy="244682"/>
+          </a:xfrm>
+          <a:prstGeom prst="rect">
+            <a:avLst/>
+          </a:prstGeom>
+          <a:noFill/>
+        </p:spPr>
+        <p:txBody>
+          <a:bodyPr wrap="square">
+            <a:spAutoFit/>
+          </a:bodyPr>
+          <a:lstStyle/>
+          <a:p>
+            <a:pPr>
+              <a:lnSpc>
+                <a:spcPct val="90000"/>
+              </a:lnSpc>
+              <a:spcAft>
+                <a:spcPts val="600"/>
+              </a:spcAft>
+            </a:pPr>
+            <a:r>
+              <a:rPr lang="en-US" sz="1100" b="1" i="1" dirty="0">
+                <a:solidFill>
+                  <a:schemeClr val="accent1"/>
+                </a:solidFill>
+              </a:rPr>
+              <a:t>Reference: https://netflixtechblog.com/scheduling-notebooks-348e6c14cfd6</a:t>
+            </a:r>
+          </a:p>
+        </p:txBody>
+      </p:sp>
+    </p:spTree>
+    <p:extLst>
+      <p:ext uri="{BB962C8B-B14F-4D97-AF65-F5344CB8AC3E}">
+        <p14:creationId xmlns:p14="http://schemas.microsoft.com/office/powerpoint/2010/main" val="3198138985"/>
+      </p:ext>
+    </p:extLst>
+  </p:cSld>
+  <p:clrMapOvr>
+    <a:masterClrMapping/>
+  </p:clrMapOvr>
+</p:sld>
+</file>
+
+<file path=ppt/slides/slide3.xml><?xml version="1.0" encoding="utf-8"?>
+<p:sld xmlns:a="http://schemas.openxmlformats.org/drawingml/2006/main" xmlns:r="http://schemas.openxmlformats.org/officeDocument/2006/relationships" xmlns:p="http://schemas.openxmlformats.org/presentationml/2006/main">
+  <p:cSld>
+    <p:spTree>
+      <p:nvGrpSpPr>
+        <p:cNvPr id="1" name=""/>
+        <p:cNvGrpSpPr/>
+        <p:nvPr/>
+      </p:nvGrpSpPr>
+      <p:grpSpPr>
+        <a:xfrm>
+          <a:off x="0" y="0"/>
+          <a:ext cx="0" cy="0"/>
+          <a:chOff x="0" y="0"/>
+          <a:chExt cx="0" cy="0"/>
+        </a:xfrm>
+      </p:grpSpPr>
+      <p:sp>
+        <p:nvSpPr>
+          <p:cNvPr id="2" name="TextBox 1">
+            <a:extLst>
+              <a:ext uri="{FF2B5EF4-FFF2-40B4-BE49-F238E27FC236}">
+                <a16:creationId xmlns:a16="http://schemas.microsoft.com/office/drawing/2014/main" id="{87C70261-4173-79FE-67CB-36C6854D54FE}"/>
+              </a:ext>
+            </a:extLst>
+          </p:cNvPr>
+          <p:cNvSpPr txBox="1"/>
+          <p:nvPr/>
+        </p:nvSpPr>
+        <p:spPr>
+          <a:xfrm>
+            <a:off x="634482" y="531845"/>
+            <a:ext cx="5461518" cy="1015663"/>
+          </a:xfrm>
+          <a:prstGeom prst="rect">
+            <a:avLst/>
+          </a:prstGeom>
+          <a:noFill/>
+        </p:spPr>
+        <p:txBody>
+          <a:bodyPr wrap="square" rtlCol="0">
+            <a:spAutoFit/>
+          </a:bodyPr>
+          <a:lstStyle/>
+          <a:p>
+            <a:r>
+              <a:rPr lang="en-IN" sz="2400" dirty="0">
+                <a:solidFill>
+                  <a:schemeClr val="accent2">
+                    <a:lumMod val="75000"/>
+                  </a:schemeClr>
+                </a:solidFill>
+              </a:rPr>
+              <a:t>ML Problem Statement</a:t>
+            </a:r>
+          </a:p>
+          <a:p>
+            <a:r>
+              <a:rPr lang="en-IN" dirty="0">
+                <a:solidFill>
+                  <a:schemeClr val="accent1">
+                    <a:lumMod val="75000"/>
+                  </a:schemeClr>
+                </a:solidFill>
+              </a:rPr>
+              <a:t>What we need to track in Data science project to be </a:t>
+            </a:r>
+          </a:p>
+          <a:p>
+            <a:r>
+              <a:rPr lang="en-IN" dirty="0">
+                <a:solidFill>
+                  <a:schemeClr val="accent1">
+                    <a:lumMod val="75000"/>
+                  </a:schemeClr>
+                </a:solidFill>
+              </a:rPr>
+              <a:t>able to reproduce the results</a:t>
+            </a:r>
+            <a:endParaRPr lang="en-IN" sz="2000" dirty="0">
+              <a:solidFill>
+                <a:schemeClr val="accent1">
+                  <a:lumMod val="75000"/>
+                </a:schemeClr>
+              </a:solidFill>
+            </a:endParaRPr>
+          </a:p>
+        </p:txBody>
+      </p:sp>
+      <p:sp>
+        <p:nvSpPr>
+          <p:cNvPr id="3" name="TextBox 2">
+            <a:extLst>
+              <a:ext uri="{FF2B5EF4-FFF2-40B4-BE49-F238E27FC236}">
+                <a16:creationId xmlns:a16="http://schemas.microsoft.com/office/drawing/2014/main" id="{EF232F4B-AE99-BDB0-74E0-90D59AAC30DB}"/>
+              </a:ext>
+            </a:extLst>
+          </p:cNvPr>
+          <p:cNvSpPr txBox="1"/>
+          <p:nvPr/>
+        </p:nvSpPr>
+        <p:spPr>
+          <a:xfrm>
+            <a:off x="783771" y="1454029"/>
+            <a:ext cx="5312229" cy="3139321"/>
+          </a:xfrm>
+          <a:prstGeom prst="rect">
+            <a:avLst/>
+          </a:prstGeom>
+          <a:noFill/>
+        </p:spPr>
+        <p:txBody>
+          <a:bodyPr wrap="square" rtlCol="0">
+            <a:spAutoFit/>
+          </a:bodyPr>
+          <a:lstStyle/>
+          <a:p>
+            <a:pPr marL="285750" indent="-285750">
+              <a:buFont typeface="Arial" panose="020B0604020202020204" pitchFamily="34" charset="0"/>
+              <a:buChar char="•"/>
+            </a:pPr>
+            <a:r>
+              <a:rPr lang="en-IN" dirty="0"/>
+              <a:t>Dataset</a:t>
+            </a:r>
+          </a:p>
+          <a:p>
+            <a:pPr marL="742950" lvl="1" indent="-285750">
+              <a:buFont typeface="Arial" panose="020B0604020202020204" pitchFamily="34" charset="0"/>
+              <a:buChar char="•"/>
+            </a:pPr>
+            <a:r>
+              <a:rPr lang="en-IN" dirty="0"/>
+              <a:t>Tabular</a:t>
+            </a:r>
+          </a:p>
+          <a:p>
+            <a:pPr marL="742950" lvl="1" indent="-285750">
+              <a:buFont typeface="Arial" panose="020B0604020202020204" pitchFamily="34" charset="0"/>
+              <a:buChar char="•"/>
+            </a:pPr>
+            <a:r>
+              <a:rPr lang="en-IN" dirty="0"/>
+              <a:t>Images, Videos, Sound etc.</a:t>
+            </a:r>
+          </a:p>
+          <a:p>
+            <a:pPr marL="285750" indent="-285750">
+              <a:buFont typeface="Arial" panose="020B0604020202020204" pitchFamily="34" charset="0"/>
+              <a:buChar char="•"/>
+            </a:pPr>
+            <a:r>
+              <a:rPr lang="en-IN" dirty="0"/>
+              <a:t>Code</a:t>
+            </a:r>
+          </a:p>
+          <a:p>
+            <a:pPr marL="742950" lvl="1" indent="-285750">
+              <a:buFont typeface="Arial" panose="020B0604020202020204" pitchFamily="34" charset="0"/>
+              <a:buChar char="•"/>
+            </a:pPr>
+            <a:r>
+              <a:rPr lang="en-IN" dirty="0"/>
+              <a:t>Functionality, Hyper-parameter</a:t>
+            </a:r>
+          </a:p>
+          <a:p>
+            <a:pPr marL="742950" lvl="1" indent="-285750">
+              <a:buFont typeface="Arial" panose="020B0604020202020204" pitchFamily="34" charset="0"/>
+              <a:buChar char="•"/>
+            </a:pPr>
+            <a:r>
+              <a:rPr lang="en-IN" dirty="0"/>
+              <a:t>Data pre-processing, modelling</a:t>
+            </a:r>
+          </a:p>
+          <a:p>
+            <a:pPr marL="285750" indent="-285750">
+              <a:buFont typeface="Arial" panose="020B0604020202020204" pitchFamily="34" charset="0"/>
+              <a:buChar char="•"/>
+            </a:pPr>
+            <a:r>
+              <a:rPr lang="en-IN" dirty="0"/>
+              <a:t>Results</a:t>
+            </a:r>
+          </a:p>
+          <a:p>
+            <a:pPr marL="742950" lvl="1" indent="-285750">
+              <a:buFont typeface="Arial" panose="020B0604020202020204" pitchFamily="34" charset="0"/>
+              <a:buChar char="•"/>
+            </a:pPr>
+            <a:r>
+              <a:rPr lang="en-IN" dirty="0"/>
+              <a:t>Metadata(metrics, params)</a:t>
+            </a:r>
+          </a:p>
+          <a:p>
+            <a:pPr marL="742950" lvl="1" indent="-285750">
+              <a:buFont typeface="Arial" panose="020B0604020202020204" pitchFamily="34" charset="0"/>
+              <a:buChar char="•"/>
+            </a:pPr>
+            <a:r>
+              <a:rPr lang="en-IN" dirty="0"/>
+              <a:t>plots</a:t>
+            </a:r>
+          </a:p>
+          <a:p>
+            <a:pPr marL="285750" indent="-285750">
+              <a:buFont typeface="Arial" panose="020B0604020202020204" pitchFamily="34" charset="0"/>
+              <a:buChar char="•"/>
+            </a:pPr>
+            <a:r>
+              <a:rPr lang="en-IN" dirty="0"/>
+              <a:t>Environment</a:t>
+            </a:r>
+          </a:p>
+          <a:p>
+            <a:pPr marL="742950" lvl="1" indent="-285750">
+              <a:buFont typeface="Arial" panose="020B0604020202020204" pitchFamily="34" charset="0"/>
+              <a:buChar char="•"/>
+            </a:pPr>
+            <a:r>
+              <a:rPr lang="en-IN" dirty="0"/>
+              <a:t>Dependencies</a:t>
+            </a:r>
+          </a:p>
+        </p:txBody>
+      </p:sp>
+      <p:sp>
+        <p:nvSpPr>
+          <p:cNvPr id="4" name="TextBox 3">
+            <a:extLst>
+              <a:ext uri="{FF2B5EF4-FFF2-40B4-BE49-F238E27FC236}">
+                <a16:creationId xmlns:a16="http://schemas.microsoft.com/office/drawing/2014/main" id="{E269EFBC-BEFD-154A-AB0C-D93E16C76887}"/>
+              </a:ext>
+            </a:extLst>
+          </p:cNvPr>
+          <p:cNvSpPr txBox="1"/>
+          <p:nvPr/>
+        </p:nvSpPr>
+        <p:spPr>
+          <a:xfrm>
+            <a:off x="6245289" y="531845"/>
+            <a:ext cx="5461518" cy="738664"/>
+          </a:xfrm>
+          <a:prstGeom prst="rect">
+            <a:avLst/>
+          </a:prstGeom>
+          <a:noFill/>
+        </p:spPr>
+        <p:txBody>
+          <a:bodyPr wrap="square" rtlCol="0">
+            <a:spAutoFit/>
+          </a:bodyPr>
+          <a:lstStyle/>
+          <a:p>
+            <a:r>
+              <a:rPr lang="en-IN" sz="2400" dirty="0">
+                <a:solidFill>
+                  <a:schemeClr val="accent2">
+                    <a:lumMod val="75000"/>
+                  </a:schemeClr>
+                </a:solidFill>
+              </a:rPr>
+              <a:t>Data Versioning </a:t>
+            </a:r>
+            <a:r>
+              <a:rPr lang="en-IN" sz="2400" dirty="0" err="1">
+                <a:solidFill>
+                  <a:schemeClr val="accent2">
+                    <a:lumMod val="75000"/>
+                  </a:schemeClr>
+                </a:solidFill>
+              </a:rPr>
+              <a:t>Usecase</a:t>
+            </a:r>
+            <a:endParaRPr lang="en-IN" sz="2400" dirty="0">
+              <a:solidFill>
+                <a:schemeClr val="accent2">
+                  <a:lumMod val="75000"/>
+                </a:schemeClr>
+              </a:solidFill>
+            </a:endParaRPr>
+          </a:p>
+          <a:p>
+            <a:r>
+              <a:rPr lang="en-IN" dirty="0">
+                <a:solidFill>
+                  <a:schemeClr val="accent1">
+                    <a:lumMod val="75000"/>
+                  </a:schemeClr>
+                </a:solidFill>
+              </a:rPr>
+              <a:t>Data Beyond Data Science</a:t>
+            </a:r>
+            <a:endParaRPr lang="en-IN" sz="2000" dirty="0">
+              <a:solidFill>
+                <a:schemeClr val="accent1">
+                  <a:lumMod val="75000"/>
+                </a:schemeClr>
+              </a:solidFill>
+            </a:endParaRPr>
+          </a:p>
+        </p:txBody>
+      </p:sp>
+      <p:sp>
+        <p:nvSpPr>
+          <p:cNvPr id="5" name="TextBox 4">
+            <a:extLst>
+              <a:ext uri="{FF2B5EF4-FFF2-40B4-BE49-F238E27FC236}">
+                <a16:creationId xmlns:a16="http://schemas.microsoft.com/office/drawing/2014/main" id="{496576F5-8E06-E225-1C40-D341E25FEDFC}"/>
+              </a:ext>
+            </a:extLst>
+          </p:cNvPr>
+          <p:cNvSpPr txBox="1"/>
+          <p:nvPr/>
+        </p:nvSpPr>
+        <p:spPr>
+          <a:xfrm>
+            <a:off x="6394578" y="1454029"/>
+            <a:ext cx="5312229" cy="1754326"/>
+          </a:xfrm>
+          <a:prstGeom prst="rect">
+            <a:avLst/>
+          </a:prstGeom>
+          <a:noFill/>
+        </p:spPr>
+        <p:txBody>
+          <a:bodyPr wrap="square" rtlCol="0">
+            <a:spAutoFit/>
+          </a:bodyPr>
+          <a:lstStyle/>
+          <a:p>
+            <a:pPr marL="285750" indent="-285750">
+              <a:buFont typeface="Arial" panose="020B0604020202020204" pitchFamily="34" charset="0"/>
+              <a:buChar char="•"/>
+            </a:pPr>
+            <a:r>
+              <a:rPr lang="en-IN" dirty="0"/>
+              <a:t>Data engineering during data cleaning and data preparation.</a:t>
+            </a:r>
+          </a:p>
+          <a:p>
+            <a:pPr marL="285750" indent="-285750">
+              <a:buFont typeface="Arial" panose="020B0604020202020204" pitchFamily="34" charset="0"/>
+              <a:buChar char="•"/>
+            </a:pPr>
+            <a:r>
+              <a:rPr lang="en-IN" dirty="0"/>
+              <a:t>Test data in software engineering to assure the functionality of the software.</a:t>
+            </a:r>
+          </a:p>
+          <a:p>
+            <a:pPr marL="285750" indent="-285750">
+              <a:buFont typeface="Arial" panose="020B0604020202020204" pitchFamily="34" charset="0"/>
+              <a:buChar char="•"/>
+            </a:pPr>
+            <a:r>
+              <a:rPr lang="en-IN" dirty="0"/>
+              <a:t>Development and testing the database application.</a:t>
+            </a:r>
+          </a:p>
+          <a:p>
+            <a:pPr marL="285750" indent="-285750">
+              <a:buFont typeface="Arial" panose="020B0604020202020204" pitchFamily="34" charset="0"/>
+              <a:buChar char="•"/>
+            </a:pPr>
+            <a:endParaRPr lang="en-IN" dirty="0"/>
+          </a:p>
+        </p:txBody>
+      </p:sp>
+      <p:sp>
+        <p:nvSpPr>
+          <p:cNvPr id="6" name="TextBox 5">
+            <a:extLst>
+              <a:ext uri="{FF2B5EF4-FFF2-40B4-BE49-F238E27FC236}">
+                <a16:creationId xmlns:a16="http://schemas.microsoft.com/office/drawing/2014/main" id="{6C44456C-D384-F68E-C0AC-D8DB8AF402FD}"/>
+              </a:ext>
+            </a:extLst>
+          </p:cNvPr>
+          <p:cNvSpPr txBox="1"/>
+          <p:nvPr/>
+        </p:nvSpPr>
+        <p:spPr>
+          <a:xfrm>
+            <a:off x="6096000" y="3280314"/>
+            <a:ext cx="5461518" cy="1077218"/>
+          </a:xfrm>
+          <a:prstGeom prst="rect">
+            <a:avLst/>
+          </a:prstGeom>
+          <a:noFill/>
+        </p:spPr>
+        <p:txBody>
+          <a:bodyPr wrap="square" rtlCol="0">
+            <a:spAutoFit/>
+          </a:bodyPr>
+          <a:lstStyle/>
+          <a:p>
+            <a:r>
+              <a:rPr lang="en-IN" sz="2400" dirty="0">
+                <a:solidFill>
+                  <a:schemeClr val="accent2">
+                    <a:lumMod val="75000"/>
+                  </a:schemeClr>
+                </a:solidFill>
+              </a:rPr>
+              <a:t>Classical DV solution and there downsides</a:t>
+            </a:r>
+          </a:p>
+          <a:p>
+            <a:r>
+              <a:rPr lang="en-IN" sz="2000" dirty="0">
+                <a:solidFill>
+                  <a:schemeClr val="accent1">
+                    <a:lumMod val="75000"/>
+                  </a:schemeClr>
+                </a:solidFill>
+              </a:rPr>
+              <a:t>Classical Software engineering tools are not enough to solve </a:t>
+            </a:r>
+            <a:r>
+              <a:rPr lang="en-IN" sz="2000" dirty="0" err="1">
+                <a:solidFill>
+                  <a:schemeClr val="accent1">
+                    <a:lumMod val="75000"/>
+                  </a:schemeClr>
+                </a:solidFill>
+              </a:rPr>
+              <a:t>Ml</a:t>
+            </a:r>
+            <a:r>
+              <a:rPr lang="en-IN" sz="2000" dirty="0">
+                <a:solidFill>
+                  <a:schemeClr val="accent1">
+                    <a:lumMod val="75000"/>
+                  </a:schemeClr>
+                </a:solidFill>
+              </a:rPr>
+              <a:t> reproducibility crisis</a:t>
+            </a:r>
+          </a:p>
+        </p:txBody>
+      </p:sp>
+      <p:sp>
+        <p:nvSpPr>
+          <p:cNvPr id="7" name="TextBox 6">
+            <a:extLst>
+              <a:ext uri="{FF2B5EF4-FFF2-40B4-BE49-F238E27FC236}">
+                <a16:creationId xmlns:a16="http://schemas.microsoft.com/office/drawing/2014/main" id="{52E39291-8585-E583-31B7-9C53CBC219D5}"/>
+              </a:ext>
+            </a:extLst>
+          </p:cNvPr>
+          <p:cNvSpPr txBox="1"/>
+          <p:nvPr/>
+        </p:nvSpPr>
+        <p:spPr>
+          <a:xfrm>
+            <a:off x="6245289" y="4429491"/>
+            <a:ext cx="5312229" cy="923330"/>
+          </a:xfrm>
+          <a:prstGeom prst="rect">
+            <a:avLst/>
+          </a:prstGeom>
+          <a:noFill/>
+        </p:spPr>
+        <p:txBody>
+          <a:bodyPr wrap="square" rtlCol="0">
+            <a:spAutoFit/>
+          </a:bodyPr>
+          <a:lstStyle/>
+          <a:p>
+            <a:pPr marL="285750" indent="-285750">
+              <a:buFont typeface="Arial" panose="020B0604020202020204" pitchFamily="34" charset="0"/>
+              <a:buChar char="•"/>
+            </a:pPr>
+            <a:r>
+              <a:rPr lang="en-IN" dirty="0"/>
+              <a:t>GIT</a:t>
+            </a:r>
+          </a:p>
+          <a:p>
+            <a:pPr marL="285750" indent="-285750">
+              <a:buFont typeface="Arial" panose="020B0604020202020204" pitchFamily="34" charset="0"/>
+              <a:buChar char="•"/>
+            </a:pPr>
+            <a:r>
+              <a:rPr lang="en-IN" dirty="0"/>
+              <a:t>GIT-LFS</a:t>
+            </a:r>
+          </a:p>
+          <a:p>
+            <a:pPr marL="285750" indent="-285750">
+              <a:buFont typeface="Arial" panose="020B0604020202020204" pitchFamily="34" charset="0"/>
+              <a:buChar char="•"/>
+            </a:pPr>
+            <a:r>
+              <a:rPr lang="en-IN" dirty="0"/>
+              <a:t>External Storage</a:t>
+            </a:r>
+          </a:p>
+        </p:txBody>
+      </p:sp>
+    </p:spTree>
+    <p:extLst>
+      <p:ext uri="{BB962C8B-B14F-4D97-AF65-F5344CB8AC3E}">
+        <p14:creationId xmlns:p14="http://schemas.microsoft.com/office/powerpoint/2010/main" val="1445400591"/>
+      </p:ext>
+    </p:extLst>
+  </p:cSld>
+  <p:clrMapOvr>
+    <a:masterClrMapping/>
+  </p:clrMapOvr>
+</p:sld>
+</file>
+
+<file path=ppt/slides/slide4.xml><?xml version="1.0" encoding="utf-8"?>
+<p:sld xmlns:a="http://schemas.openxmlformats.org/drawingml/2006/main" xmlns:r="http://schemas.openxmlformats.org/officeDocument/2006/relationships" xmlns:p="http://schemas.openxmlformats.org/presentationml/2006/main">
+  <p:cSld>
+    <p:spTree>
+      <p:nvGrpSpPr>
+        <p:cNvPr id="1" name=""/>
+        <p:cNvGrpSpPr/>
+        <p:nvPr/>
+      </p:nvGrpSpPr>
+      <p:grpSpPr>
+        <a:xfrm>
+          <a:off x="0" y="0"/>
+          <a:ext cx="0" cy="0"/>
+          <a:chOff x="0" y="0"/>
+          <a:chExt cx="0" cy="0"/>
+        </a:xfrm>
+      </p:grpSpPr>
+      <p:sp>
+        <p:nvSpPr>
+          <p:cNvPr id="2" name="TextBox 1">
+            <a:extLst>
+              <a:ext uri="{FF2B5EF4-FFF2-40B4-BE49-F238E27FC236}">
+                <a16:creationId xmlns:a16="http://schemas.microsoft.com/office/drawing/2014/main" id="{4E20AFF9-F1CF-64CB-7394-A10DC8A197AE}"/>
+              </a:ext>
+            </a:extLst>
+          </p:cNvPr>
+          <p:cNvSpPr txBox="1"/>
+          <p:nvPr/>
+        </p:nvSpPr>
+        <p:spPr>
+          <a:xfrm>
+            <a:off x="634482" y="530298"/>
+            <a:ext cx="5461518" cy="738664"/>
+          </a:xfrm>
+          <a:prstGeom prst="rect">
+            <a:avLst/>
+          </a:prstGeom>
+          <a:noFill/>
+        </p:spPr>
+        <p:txBody>
+          <a:bodyPr wrap="square" rtlCol="0">
+            <a:spAutoFit/>
+          </a:bodyPr>
+          <a:lstStyle/>
+          <a:p>
+            <a:r>
+              <a:rPr lang="en-IN" sz="2400" dirty="0">
+                <a:solidFill>
+                  <a:schemeClr val="accent2">
+                    <a:lumMod val="75000"/>
+                  </a:schemeClr>
+                </a:solidFill>
+              </a:rPr>
+              <a:t>What is DVC?</a:t>
+            </a:r>
+          </a:p>
+          <a:p>
+            <a:r>
+              <a:rPr lang="en-IN" dirty="0">
+                <a:solidFill>
+                  <a:schemeClr val="accent1">
+                    <a:lumMod val="75000"/>
+                  </a:schemeClr>
+                </a:solidFill>
+              </a:rPr>
+              <a:t>Git like Data version control for ML Projects</a:t>
+            </a:r>
+            <a:endParaRPr lang="en-IN" sz="2000" dirty="0">
+              <a:solidFill>
+                <a:schemeClr val="accent1">
+                  <a:lumMod val="75000"/>
+                </a:schemeClr>
+              </a:solidFill>
+            </a:endParaRPr>
+          </a:p>
+        </p:txBody>
+      </p:sp>
+      <p:sp>
+        <p:nvSpPr>
+          <p:cNvPr id="3" name="TextBox 2">
+            <a:extLst>
+              <a:ext uri="{FF2B5EF4-FFF2-40B4-BE49-F238E27FC236}">
+                <a16:creationId xmlns:a16="http://schemas.microsoft.com/office/drawing/2014/main" id="{FF3098EE-83A8-61CE-2E04-A721175D1A68}"/>
+              </a:ext>
+            </a:extLst>
+          </p:cNvPr>
+          <p:cNvSpPr txBox="1"/>
+          <p:nvPr/>
+        </p:nvSpPr>
+        <p:spPr>
+          <a:xfrm>
+            <a:off x="783771" y="1454029"/>
+            <a:ext cx="5312229" cy="3970318"/>
+          </a:xfrm>
+          <a:prstGeom prst="rect">
+            <a:avLst/>
+          </a:prstGeom>
+          <a:noFill/>
+        </p:spPr>
+        <p:txBody>
+          <a:bodyPr wrap="square" rtlCol="0">
+            <a:spAutoFit/>
+          </a:bodyPr>
+          <a:lstStyle/>
+          <a:p>
+            <a:pPr marL="285750" indent="-285750">
+              <a:buFont typeface="Arial" panose="020B0604020202020204" pitchFamily="34" charset="0"/>
+              <a:buChar char="•"/>
+            </a:pPr>
+            <a:r>
+              <a:rPr lang="en-IN" b="1" dirty="0" err="1"/>
+              <a:t>dvc</a:t>
+            </a:r>
+            <a:r>
+              <a:rPr lang="en-IN" b="1" dirty="0"/>
+              <a:t> and git</a:t>
+            </a:r>
+          </a:p>
+          <a:p>
+            <a:pPr marL="742950" lvl="1" indent="-285750">
+              <a:buFont typeface="Arial" panose="020B0604020202020204" pitchFamily="34" charset="0"/>
+              <a:buChar char="•"/>
+            </a:pPr>
+            <a:r>
+              <a:rPr lang="en-IN" dirty="0"/>
+              <a:t>git: version code, small files</a:t>
+            </a:r>
+          </a:p>
+          <a:p>
+            <a:pPr marL="742950" lvl="1" indent="-285750">
+              <a:buFont typeface="Arial" panose="020B0604020202020204" pitchFamily="34" charset="0"/>
+              <a:buChar char="•"/>
+            </a:pPr>
+            <a:r>
+              <a:rPr lang="en-IN" dirty="0" err="1"/>
+              <a:t>dvc</a:t>
+            </a:r>
+            <a:r>
+              <a:rPr lang="en-IN" dirty="0"/>
+              <a:t>: version data, </a:t>
+            </a:r>
+            <a:r>
+              <a:rPr lang="en-IN" dirty="0" err="1"/>
+              <a:t>intermed</a:t>
+            </a:r>
+            <a:r>
+              <a:rPr lang="en-IN" dirty="0"/>
+              <a:t> results, models</a:t>
+            </a:r>
+          </a:p>
+          <a:p>
+            <a:pPr marL="742950" lvl="1" indent="-285750">
+              <a:buFont typeface="Arial" panose="020B0604020202020204" pitchFamily="34" charset="0"/>
+              <a:buChar char="•"/>
+            </a:pPr>
+            <a:r>
+              <a:rPr lang="en-IN" dirty="0" err="1"/>
+              <a:t>dvc</a:t>
+            </a:r>
+            <a:r>
+              <a:rPr lang="en-IN" dirty="0"/>
+              <a:t> use git, w/o storing file content in repo.</a:t>
+            </a:r>
+          </a:p>
+          <a:p>
+            <a:pPr marL="285750" indent="-285750">
+              <a:buFont typeface="Arial" panose="020B0604020202020204" pitchFamily="34" charset="0"/>
+              <a:buChar char="•"/>
+            </a:pPr>
+            <a:r>
+              <a:rPr lang="en-IN" b="1" dirty="0"/>
+              <a:t>Versioning and storing large files</a:t>
+            </a:r>
+          </a:p>
+          <a:p>
+            <a:pPr marL="742950" lvl="1" indent="-285750">
+              <a:buFont typeface="Arial" panose="020B0604020202020204" pitchFamily="34" charset="0"/>
+              <a:buChar char="•"/>
+            </a:pPr>
+            <a:r>
+              <a:rPr lang="en-IN" dirty="0" err="1"/>
+              <a:t>dvc</a:t>
+            </a:r>
+            <a:r>
+              <a:rPr lang="en-IN" dirty="0"/>
+              <a:t> save info on data in special .</a:t>
+            </a:r>
+            <a:r>
+              <a:rPr lang="en-IN" dirty="0" err="1"/>
+              <a:t>dvc</a:t>
+            </a:r>
+            <a:r>
+              <a:rPr lang="en-IN" dirty="0"/>
+              <a:t> files</a:t>
+            </a:r>
+          </a:p>
+          <a:p>
+            <a:pPr marL="742950" lvl="1" indent="-285750">
+              <a:buFont typeface="Arial" panose="020B0604020202020204" pitchFamily="34" charset="0"/>
+              <a:buChar char="•"/>
+            </a:pPr>
+            <a:r>
+              <a:rPr lang="en-IN" dirty="0"/>
+              <a:t>.</a:t>
+            </a:r>
+            <a:r>
+              <a:rPr lang="en-IN" dirty="0" err="1"/>
+              <a:t>dvc</a:t>
+            </a:r>
+            <a:r>
+              <a:rPr lang="en-IN" dirty="0"/>
+              <a:t> files can then be versioned using git.</a:t>
+            </a:r>
+          </a:p>
+          <a:p>
+            <a:pPr marL="742950" lvl="1" indent="-285750">
+              <a:buFont typeface="Arial" panose="020B0604020202020204" pitchFamily="34" charset="0"/>
+              <a:buChar char="•"/>
+            </a:pPr>
+            <a:r>
+              <a:rPr lang="en-IN" dirty="0"/>
+              <a:t>actual storage happens w remote storage(S3, azure blob, Cloud storage etc.)</a:t>
+            </a:r>
+          </a:p>
+          <a:p>
+            <a:pPr marL="742950" lvl="1" indent="-285750">
+              <a:buFont typeface="Arial" panose="020B0604020202020204" pitchFamily="34" charset="0"/>
+              <a:buChar char="•"/>
+            </a:pPr>
+            <a:r>
+              <a:rPr lang="en-IN" dirty="0" err="1"/>
+              <a:t>dvc</a:t>
+            </a:r>
+            <a:r>
+              <a:rPr lang="en-IN" dirty="0"/>
+              <a:t> supports many remote storage types</a:t>
+            </a:r>
+          </a:p>
+          <a:p>
+            <a:pPr marL="285750" indent="-285750">
+              <a:buFont typeface="Arial" panose="020B0604020202020204" pitchFamily="34" charset="0"/>
+              <a:buChar char="•"/>
+            </a:pPr>
+            <a:r>
+              <a:rPr lang="en-IN" b="1" dirty="0" err="1"/>
+              <a:t>dvc</a:t>
+            </a:r>
+            <a:r>
+              <a:rPr lang="en-IN" b="1" dirty="0"/>
+              <a:t> main features</a:t>
+            </a:r>
+          </a:p>
+          <a:p>
+            <a:pPr marL="742950" lvl="1" indent="-285750">
+              <a:buFont typeface="Arial" panose="020B0604020202020204" pitchFamily="34" charset="0"/>
+              <a:buChar char="•"/>
+            </a:pPr>
+            <a:r>
+              <a:rPr lang="en-IN" dirty="0"/>
+              <a:t>data versioning</a:t>
+            </a:r>
+          </a:p>
+          <a:p>
+            <a:pPr marL="742950" lvl="1" indent="-285750">
+              <a:buFont typeface="Arial" panose="020B0604020202020204" pitchFamily="34" charset="0"/>
+              <a:buChar char="•"/>
+            </a:pPr>
+            <a:r>
+              <a:rPr lang="en-IN" dirty="0"/>
+              <a:t>data access</a:t>
+            </a:r>
+          </a:p>
+          <a:p>
+            <a:pPr marL="742950" lvl="1" indent="-285750">
+              <a:buFont typeface="Arial" panose="020B0604020202020204" pitchFamily="34" charset="0"/>
+              <a:buChar char="•"/>
+            </a:pPr>
+            <a:r>
+              <a:rPr lang="en-IN" dirty="0"/>
+              <a:t>data pipelines</a:t>
+            </a:r>
+          </a:p>
+        </p:txBody>
+      </p:sp>
+      <p:pic>
+        <p:nvPicPr>
+          <p:cNvPr id="5" name="Picture 4">
+            <a:extLst>
+              <a:ext uri="{FF2B5EF4-FFF2-40B4-BE49-F238E27FC236}">
+                <a16:creationId xmlns:a16="http://schemas.microsoft.com/office/drawing/2014/main" id="{CA8ABA03-9F27-938B-4824-70576D3B2B87}"/>
+              </a:ext>
+            </a:extLst>
+          </p:cNvPr>
+          <p:cNvPicPr>
+            <a:picLocks noChangeAspect="1"/>
+          </p:cNvPicPr>
+          <p:nvPr/>
+        </p:nvPicPr>
+        <p:blipFill>
+          <a:blip r:embed="rId2"/>
+          <a:stretch>
+            <a:fillRect/>
+          </a:stretch>
+        </p:blipFill>
+        <p:spPr>
+          <a:xfrm>
+            <a:off x="6215435" y="1268962"/>
+            <a:ext cx="5342083" cy="3878916"/>
+          </a:xfrm>
+          <a:prstGeom prst="rect">
+            <a:avLst/>
+          </a:prstGeom>
+        </p:spPr>
+      </p:pic>
+    </p:spTree>
+    <p:extLst>
+      <p:ext uri="{BB962C8B-B14F-4D97-AF65-F5344CB8AC3E}">
+        <p14:creationId xmlns:p14="http://schemas.microsoft.com/office/powerpoint/2010/main" val="2586149438"/>
+      </p:ext>
+    </p:extLst>
+  </p:cSld>
+  <p:clrMapOvr>
+    <a:masterClrMapping/>
+  </p:clrMapOvr>
+</p:sld>
+</file>
+
+<file path=ppt/slides/slide5.xml><?xml version="1.0" encoding="utf-8"?>
+<p:sld xmlns:a="http://schemas.openxmlformats.org/drawingml/2006/main" xmlns:r="http://schemas.openxmlformats.org/officeDocument/2006/relationships" xmlns:p="http://schemas.openxmlformats.org/presentationml/2006/main">
+  <p:cSld>
+    <p:spTree>
+      <p:nvGrpSpPr>
+        <p:cNvPr id="1" name=""/>
+        <p:cNvGrpSpPr/>
+        <p:nvPr/>
+      </p:nvGrpSpPr>
+      <p:grpSpPr>
+        <a:xfrm>
+          <a:off x="0" y="0"/>
+          <a:ext cx="0" cy="0"/>
+          <a:chOff x="0" y="0"/>
+          <a:chExt cx="0" cy="0"/>
+        </a:xfrm>
+      </p:grpSpPr>
+      <p:sp>
+        <p:nvSpPr>
+          <p:cNvPr id="3" name="TextBox 2">
+            <a:extLst>
+              <a:ext uri="{FF2B5EF4-FFF2-40B4-BE49-F238E27FC236}">
+                <a16:creationId xmlns:a16="http://schemas.microsoft.com/office/drawing/2014/main" id="{412DC05D-1620-056D-9851-6829D2BE0C9A}"/>
+              </a:ext>
+            </a:extLst>
+          </p:cNvPr>
+          <p:cNvSpPr txBox="1"/>
+          <p:nvPr/>
+        </p:nvSpPr>
+        <p:spPr>
+          <a:xfrm>
+            <a:off x="240264" y="499102"/>
+            <a:ext cx="6487108" cy="1569660"/>
+          </a:xfrm>
+          <a:prstGeom prst="rect">
+            <a:avLst/>
+          </a:prstGeom>
+          <a:noFill/>
+        </p:spPr>
+        <p:txBody>
+          <a:bodyPr wrap="square">
+            <a:spAutoFit/>
+          </a:bodyPr>
+          <a:lstStyle/>
+          <a:p>
+            <a:pPr marL="0" lvl="1"/>
+            <a:r>
+              <a:rPr lang="en-US" sz="2400" dirty="0">
+                <a:solidFill>
+                  <a:schemeClr val="accent2">
+                    <a:lumMod val="75000"/>
+                  </a:schemeClr>
+                </a:solidFill>
+              </a:rPr>
+              <a:t>Data Pipeline:</a:t>
+            </a:r>
+          </a:p>
+          <a:p>
+            <a:r>
+              <a:rPr lang="en-US" dirty="0">
+                <a:solidFill>
+                  <a:schemeClr val="accent1">
+                    <a:lumMod val="75000"/>
+                  </a:schemeClr>
+                </a:solidFill>
+              </a:rPr>
+              <a:t>How is data filtered, transformed, or used to train ML models?</a:t>
+            </a:r>
+          </a:p>
+          <a:p>
+            <a:pPr lvl="1"/>
+            <a:endParaRPr lang="en-US" dirty="0">
+              <a:solidFill>
+                <a:srgbClr val="24292F"/>
+              </a:solidFill>
+              <a:latin typeface="brandongrotesque"/>
+            </a:endParaRPr>
+          </a:p>
+          <a:p>
+            <a:pPr marL="742950" lvl="1" indent="-285750">
+              <a:buFont typeface="Wingdings" panose="05000000000000000000" pitchFamily="2" charset="2"/>
+              <a:buChar char="Ø"/>
+            </a:pPr>
+            <a:endParaRPr lang="en-US" dirty="0">
+              <a:solidFill>
+                <a:srgbClr val="24292F"/>
+              </a:solidFill>
+              <a:latin typeface="brandongrotesque"/>
+            </a:endParaRPr>
+          </a:p>
+          <a:p>
+            <a:pPr marL="285750" indent="-285750">
+              <a:buFont typeface="Arial" panose="020B0604020202020204" pitchFamily="34" charset="0"/>
+              <a:buChar char="•"/>
+            </a:pPr>
+            <a:endParaRPr lang="en-IN" dirty="0"/>
+          </a:p>
+        </p:txBody>
+      </p:sp>
+      <p:pic>
+        <p:nvPicPr>
+          <p:cNvPr id="5" name="Picture 4">
+            <a:extLst>
+              <a:ext uri="{FF2B5EF4-FFF2-40B4-BE49-F238E27FC236}">
+                <a16:creationId xmlns:a16="http://schemas.microsoft.com/office/drawing/2014/main" id="{2A289F61-2109-B61F-AD4E-4F6C7BF23A11}"/>
+              </a:ext>
+            </a:extLst>
+          </p:cNvPr>
+          <p:cNvPicPr>
+            <a:picLocks noChangeAspect="1"/>
+          </p:cNvPicPr>
+          <p:nvPr/>
+        </p:nvPicPr>
+        <p:blipFill>
+          <a:blip r:embed="rId2"/>
+          <a:stretch>
+            <a:fillRect/>
+          </a:stretch>
+        </p:blipFill>
+        <p:spPr>
+          <a:xfrm>
+            <a:off x="1957096" y="2521391"/>
+            <a:ext cx="8037744" cy="3139321"/>
+          </a:xfrm>
+          <a:prstGeom prst="rect">
+            <a:avLst/>
+          </a:prstGeom>
+        </p:spPr>
+      </p:pic>
+    </p:spTree>
+    <p:extLst>
+      <p:ext uri="{BB962C8B-B14F-4D97-AF65-F5344CB8AC3E}">
+        <p14:creationId xmlns:p14="http://schemas.microsoft.com/office/powerpoint/2010/main" val="813302205"/>
+      </p:ext>
+    </p:extLst>
+  </p:cSld>
+  <p:clrMapOvr>
+    <a:masterClrMapping/>
+  </p:clrMapOvr>
+</p:sld>
+</file>
+
+<file path=ppt/slides/slide6.xml><?xml version="1.0" encoding="utf-8"?>
+<p:sld xmlns:a="http://schemas.openxmlformats.org/drawingml/2006/main" xmlns:r="http://schemas.openxmlformats.org/officeDocument/2006/relationships" xmlns:p="http://schemas.openxmlformats.org/presentationml/2006/main">
+  <p:cSld>
+    <p:spTree>
+      <p:nvGrpSpPr>
+        <p:cNvPr id="1" name=""/>
+        <p:cNvGrpSpPr/>
+        <p:nvPr/>
+      </p:nvGrpSpPr>
+      <p:grpSpPr>
+        <a:xfrm>
+          <a:off x="0" y="0"/>
+          <a:ext cx="0" cy="0"/>
+          <a:chOff x="0" y="0"/>
+          <a:chExt cx="0" cy="0"/>
+        </a:xfrm>
+      </p:grpSpPr>
+      <p:pic>
+        <p:nvPicPr>
+          <p:cNvPr id="3" name="Picture 2">
+            <a:extLst>
+              <a:ext uri="{FF2B5EF4-FFF2-40B4-BE49-F238E27FC236}">
+                <a16:creationId xmlns:a16="http://schemas.microsoft.com/office/drawing/2014/main" id="{CBB2DBEC-7518-D0D0-510A-0A8675F00406}"/>
+              </a:ext>
+            </a:extLst>
+          </p:cNvPr>
+          <p:cNvPicPr>
+            <a:picLocks noChangeAspect="1"/>
+          </p:cNvPicPr>
+          <p:nvPr/>
+        </p:nvPicPr>
+        <p:blipFill>
+          <a:blip r:embed="rId2"/>
+          <a:stretch>
+            <a:fillRect/>
+          </a:stretch>
+        </p:blipFill>
+        <p:spPr>
+          <a:xfrm>
+            <a:off x="780589" y="1142999"/>
+            <a:ext cx="10630821" cy="5090393"/>
+          </a:xfrm>
+          <a:prstGeom prst="rect">
+            <a:avLst/>
+          </a:prstGeom>
+        </p:spPr>
+      </p:pic>
+      <p:sp>
+        <p:nvSpPr>
+          <p:cNvPr id="4" name="TextBox 3">
+            <a:extLst>
+              <a:ext uri="{FF2B5EF4-FFF2-40B4-BE49-F238E27FC236}">
+                <a16:creationId xmlns:a16="http://schemas.microsoft.com/office/drawing/2014/main" id="{37A57DA3-1401-96B5-5452-DC62CA709A99}"/>
+              </a:ext>
+            </a:extLst>
+          </p:cNvPr>
+          <p:cNvSpPr txBox="1"/>
+          <p:nvPr/>
+        </p:nvSpPr>
+        <p:spPr>
+          <a:xfrm>
+            <a:off x="621264" y="270502"/>
+            <a:ext cx="6487108" cy="1292662"/>
+          </a:xfrm>
+          <a:prstGeom prst="rect">
+            <a:avLst/>
+          </a:prstGeom>
+          <a:noFill/>
+        </p:spPr>
+        <p:txBody>
+          <a:bodyPr wrap="square">
+            <a:spAutoFit/>
+          </a:bodyPr>
+          <a:lstStyle/>
+          <a:p>
+            <a:pPr marL="0" lvl="1"/>
+            <a:r>
+              <a:rPr lang="en-US" sz="2400" dirty="0" err="1">
+                <a:solidFill>
+                  <a:schemeClr val="accent2">
+                    <a:lumMod val="75000"/>
+                  </a:schemeClr>
+                </a:solidFill>
+              </a:rPr>
+              <a:t>Mlflow</a:t>
+            </a:r>
+            <a:r>
+              <a:rPr lang="en-US" sz="2400" dirty="0">
+                <a:solidFill>
+                  <a:schemeClr val="accent2">
+                    <a:lumMod val="75000"/>
+                  </a:schemeClr>
+                </a:solidFill>
+              </a:rPr>
+              <a:t>-Model lifecycle management:</a:t>
+            </a:r>
+          </a:p>
+          <a:p>
+            <a:r>
+              <a:rPr lang="en-US" dirty="0">
+                <a:solidFill>
+                  <a:schemeClr val="accent1">
+                    <a:lumMod val="75000"/>
+                  </a:schemeClr>
+                </a:solidFill>
+                <a:latin typeface="brandongrotesque"/>
+              </a:rPr>
+              <a:t>Model governance and experimentation</a:t>
+            </a:r>
+            <a:endParaRPr lang="en-US" dirty="0">
+              <a:solidFill>
+                <a:srgbClr val="24292F"/>
+              </a:solidFill>
+              <a:latin typeface="brandongrotesque"/>
+            </a:endParaRPr>
+          </a:p>
+          <a:p>
+            <a:pPr marL="742950" lvl="1" indent="-285750">
+              <a:buFont typeface="Wingdings" panose="05000000000000000000" pitchFamily="2" charset="2"/>
+              <a:buChar char="Ø"/>
+            </a:pPr>
+            <a:endParaRPr lang="en-US" dirty="0">
+              <a:solidFill>
+                <a:srgbClr val="24292F"/>
+              </a:solidFill>
+              <a:latin typeface="brandongrotesque"/>
+            </a:endParaRPr>
+          </a:p>
+          <a:p>
+            <a:pPr marL="285750" indent="-285750">
+              <a:buFont typeface="Arial" panose="020B0604020202020204" pitchFamily="34" charset="0"/>
+              <a:buChar char="•"/>
+            </a:pPr>
+            <a:endParaRPr lang="en-IN" dirty="0"/>
+          </a:p>
+        </p:txBody>
+      </p:sp>
+    </p:spTree>
+    <p:extLst>
+      <p:ext uri="{BB962C8B-B14F-4D97-AF65-F5344CB8AC3E}">
+        <p14:creationId xmlns:p14="http://schemas.microsoft.com/office/powerpoint/2010/main" val="651818656"/>
+      </p:ext>
+    </p:extLst>
+  </p:cSld>
+  <p:clrMapOvr>
+    <a:masterClrMapping/>
+  </p:clrMapOvr>
+</p:sld>
+</file>
+
+<file path=ppt/slides/slide7.xml><?xml version="1.0" encoding="utf-8"?>
+<p:sld xmlns:a="http://schemas.openxmlformats.org/drawingml/2006/main" xmlns:r="http://schemas.openxmlformats.org/officeDocument/2006/relationships" xmlns:p="http://schemas.openxmlformats.org/presentationml/2006/main">
+  <p:cSld>
+    <p:spTree>
+      <p:nvGrpSpPr>
+        <p:cNvPr id="1" name=""/>
+        <p:cNvGrpSpPr/>
+        <p:nvPr/>
+      </p:nvGrpSpPr>
+      <p:grpSpPr>
+        <a:xfrm>
+          <a:off x="0" y="0"/>
+          <a:ext cx="0" cy="0"/>
+          <a:chOff x="0" y="0"/>
+          <a:chExt cx="0" cy="0"/>
+        </a:xfrm>
+      </p:grpSpPr>
+      <p:graphicFrame>
+        <p:nvGraphicFramePr>
+          <p:cNvPr id="3" name="Table 3">
+            <a:extLst>
+              <a:ext uri="{FF2B5EF4-FFF2-40B4-BE49-F238E27FC236}">
+                <a16:creationId xmlns:a16="http://schemas.microsoft.com/office/drawing/2014/main" id="{223FF928-0001-B1B8-F578-55424C000268}"/>
+              </a:ext>
+            </a:extLst>
+          </p:cNvPr>
+          <p:cNvGraphicFramePr>
+            <a:graphicFrameLocks noGrp="1"/>
+          </p:cNvGraphicFramePr>
+          <p:nvPr>
+            <p:extLst>
+              <p:ext uri="{D42A27DB-BD31-4B8C-83A1-F6EECF244321}">
+                <p14:modId xmlns:p14="http://schemas.microsoft.com/office/powerpoint/2010/main" val="4096938349"/>
+              </p:ext>
+            </p:extLst>
+          </p:nvPr>
+        </p:nvGraphicFramePr>
+        <p:xfrm>
+          <a:off x="949649" y="1307495"/>
+          <a:ext cx="8127999" cy="3977640"/>
+        </p:xfrm>
+        <a:graphic>
+          <a:graphicData uri="http://schemas.openxmlformats.org/drawingml/2006/table">
+            <a:tbl>
+              <a:tblPr firstRow="1" bandRow="1">
+                <a:tableStyleId>{5C22544A-7EE6-4342-B048-85BDC9FD1C3A}</a:tableStyleId>
+              </a:tblPr>
+              <a:tblGrid>
+                <a:gridCol w="2709333">
+                  <a:extLst>
+                    <a:ext uri="{9D8B030D-6E8A-4147-A177-3AD203B41FA5}">
+                      <a16:colId xmlns:a16="http://schemas.microsoft.com/office/drawing/2014/main" val="2730807680"/>
+                    </a:ext>
+                  </a:extLst>
+                </a:gridCol>
+                <a:gridCol w="2709333">
+                  <a:extLst>
+                    <a:ext uri="{9D8B030D-6E8A-4147-A177-3AD203B41FA5}">
+                      <a16:colId xmlns:a16="http://schemas.microsoft.com/office/drawing/2014/main" val="2754919317"/>
+                    </a:ext>
+                  </a:extLst>
+                </a:gridCol>
+                <a:gridCol w="2709333">
+                  <a:extLst>
+                    <a:ext uri="{9D8B030D-6E8A-4147-A177-3AD203B41FA5}">
+                      <a16:colId xmlns:a16="http://schemas.microsoft.com/office/drawing/2014/main" val="3835470101"/>
+                    </a:ext>
+                  </a:extLst>
+                </a:gridCol>
+              </a:tblGrid>
+              <a:tr h="370840">
+                <a:tc>
+                  <a:txBody>
+                    <a:bodyPr/>
+                    <a:lstStyle/>
+                    <a:p>
+                      <a:pPr algn="ctr"/>
+                      <a:r>
+                        <a:rPr lang="en-IN" dirty="0"/>
+                        <a:t>Feature</a:t>
+                      </a:r>
+                    </a:p>
+                  </a:txBody>
+                  <a:tcPr/>
+                </a:tc>
+                <a:tc>
+                  <a:txBody>
+                    <a:bodyPr/>
+                    <a:lstStyle/>
+                    <a:p>
+                      <a:pPr algn="ctr"/>
+                      <a:r>
+                        <a:rPr lang="en-IN" dirty="0"/>
+                        <a:t>MLFLOW</a:t>
+                      </a:r>
+                    </a:p>
+                  </a:txBody>
+                  <a:tcPr/>
+                </a:tc>
+                <a:tc>
+                  <a:txBody>
+                    <a:bodyPr/>
+                    <a:lstStyle/>
+                    <a:p>
+                      <a:pPr algn="ctr"/>
+                      <a:r>
+                        <a:rPr lang="en-IN" dirty="0"/>
+                        <a:t>DVC</a:t>
+                      </a:r>
+                    </a:p>
+                  </a:txBody>
+                  <a:tcPr/>
+                </a:tc>
+                <a:extLst>
+                  <a:ext uri="{0D108BD9-81ED-4DB2-BD59-A6C34878D82A}">
+                    <a16:rowId xmlns:a16="http://schemas.microsoft.com/office/drawing/2014/main" val="1744114611"/>
+                  </a:ext>
+                </a:extLst>
+              </a:tr>
+              <a:tr h="370840">
+                <a:tc>
+                  <a:txBody>
+                    <a:bodyPr/>
+                    <a:lstStyle/>
+                    <a:p>
+                      <a:r>
+                        <a:rPr lang="en-IN" dirty="0"/>
+                        <a:t>Versioning ML Model</a:t>
+                      </a:r>
+                    </a:p>
+                  </a:txBody>
+                  <a:tcPr/>
+                </a:tc>
+                <a:tc>
+                  <a:txBody>
+                    <a:bodyPr/>
+                    <a:lstStyle/>
+                    <a:p>
+                      <a:pPr algn="ctr"/>
+                      <a:endParaRPr lang="en-IN" dirty="0"/>
+                    </a:p>
+                  </a:txBody>
+                  <a:tcPr/>
+                </a:tc>
+                <a:tc>
+                  <a:txBody>
+                    <a:bodyPr/>
+                    <a:lstStyle/>
+                    <a:p>
+                      <a:pPr algn="ctr"/>
+                      <a:endParaRPr lang="en-IN" dirty="0"/>
+                    </a:p>
+                  </a:txBody>
+                  <a:tcPr/>
+                </a:tc>
+                <a:extLst>
+                  <a:ext uri="{0D108BD9-81ED-4DB2-BD59-A6C34878D82A}">
+                    <a16:rowId xmlns:a16="http://schemas.microsoft.com/office/drawing/2014/main" val="3413950829"/>
+                  </a:ext>
+                </a:extLst>
+              </a:tr>
+              <a:tr h="370840">
+                <a:tc>
+                  <a:txBody>
+                    <a:bodyPr/>
+                    <a:lstStyle/>
+                    <a:p>
+                      <a:r>
+                        <a:rPr lang="en-IN" dirty="0"/>
+                        <a:t>Versioning dataset</a:t>
+                      </a:r>
+                    </a:p>
+                  </a:txBody>
+                  <a:tcPr/>
+                </a:tc>
+                <a:tc>
+                  <a:txBody>
+                    <a:bodyPr/>
+                    <a:lstStyle/>
+                    <a:p>
+                      <a:pPr algn="ctr"/>
+                      <a:endParaRPr lang="en-IN" dirty="0"/>
+                    </a:p>
+                  </a:txBody>
+                  <a:tcPr/>
+                </a:tc>
+                <a:tc>
+                  <a:txBody>
+                    <a:bodyPr/>
+                    <a:lstStyle/>
+                    <a:p>
+                      <a:pPr algn="ctr"/>
+                      <a:endParaRPr lang="en-IN" dirty="0"/>
+                    </a:p>
+                  </a:txBody>
+                  <a:tcPr/>
+                </a:tc>
+                <a:extLst>
+                  <a:ext uri="{0D108BD9-81ED-4DB2-BD59-A6C34878D82A}">
+                    <a16:rowId xmlns:a16="http://schemas.microsoft.com/office/drawing/2014/main" val="2887022731"/>
+                  </a:ext>
+                </a:extLst>
+              </a:tr>
+              <a:tr h="370840">
+                <a:tc>
+                  <a:txBody>
+                    <a:bodyPr/>
+                    <a:lstStyle/>
+                    <a:p>
+                      <a:r>
+                        <a:rPr lang="en-IN" dirty="0"/>
+                        <a:t>Versioning ML Pipelines</a:t>
+                      </a:r>
+                    </a:p>
+                  </a:txBody>
+                  <a:tcPr/>
+                </a:tc>
+                <a:tc>
+                  <a:txBody>
+                    <a:bodyPr/>
+                    <a:lstStyle/>
+                    <a:p>
+                      <a:pPr algn="ctr"/>
+                      <a:endParaRPr lang="en-IN" dirty="0"/>
+                    </a:p>
+                  </a:txBody>
+                  <a:tcPr/>
+                </a:tc>
+                <a:tc>
+                  <a:txBody>
+                    <a:bodyPr/>
+                    <a:lstStyle/>
+                    <a:p>
+                      <a:pPr algn="ctr"/>
+                      <a:endParaRPr lang="en-IN" dirty="0"/>
+                    </a:p>
+                  </a:txBody>
+                  <a:tcPr/>
+                </a:tc>
+                <a:extLst>
+                  <a:ext uri="{0D108BD9-81ED-4DB2-BD59-A6C34878D82A}">
+                    <a16:rowId xmlns:a16="http://schemas.microsoft.com/office/drawing/2014/main" val="2491829410"/>
+                  </a:ext>
+                </a:extLst>
+              </a:tr>
+              <a:tr h="370840">
+                <a:tc>
+                  <a:txBody>
+                    <a:bodyPr/>
+                    <a:lstStyle/>
+                    <a:p>
+                      <a:r>
+                        <a:rPr lang="en-IN" dirty="0"/>
+                        <a:t>Connecting data and code</a:t>
+                      </a:r>
+                    </a:p>
+                  </a:txBody>
+                  <a:tcPr/>
+                </a:tc>
+                <a:tc>
+                  <a:txBody>
+                    <a:bodyPr/>
+                    <a:lstStyle/>
+                    <a:p>
+                      <a:pPr algn="ctr"/>
+                      <a:r>
+                        <a:rPr lang="en-IN" dirty="0"/>
+                        <a:t>Manual only</a:t>
+                      </a:r>
+                    </a:p>
+                  </a:txBody>
+                  <a:tcPr/>
+                </a:tc>
+                <a:tc>
+                  <a:txBody>
+                    <a:bodyPr/>
+                    <a:lstStyle/>
+                    <a:p>
+                      <a:pPr algn="ctr"/>
+                      <a:endParaRPr lang="en-IN" dirty="0"/>
+                    </a:p>
+                  </a:txBody>
+                  <a:tcPr/>
+                </a:tc>
+                <a:extLst>
+                  <a:ext uri="{0D108BD9-81ED-4DB2-BD59-A6C34878D82A}">
+                    <a16:rowId xmlns:a16="http://schemas.microsoft.com/office/drawing/2014/main" val="4012522365"/>
+                  </a:ext>
+                </a:extLst>
+              </a:tr>
+              <a:tr h="370840">
+                <a:tc>
+                  <a:txBody>
+                    <a:bodyPr/>
+                    <a:lstStyle/>
+                    <a:p>
+                      <a:r>
+                        <a:rPr lang="en-IN" dirty="0"/>
+                        <a:t>Tracking metrics</a:t>
+                      </a:r>
+                    </a:p>
+                  </a:txBody>
+                  <a:tcPr/>
+                </a:tc>
+                <a:tc>
+                  <a:txBody>
+                    <a:bodyPr/>
+                    <a:lstStyle/>
+                    <a:p>
+                      <a:pPr algn="ctr"/>
+                      <a:endParaRPr lang="en-IN" dirty="0"/>
+                    </a:p>
+                  </a:txBody>
+                  <a:tcPr/>
+                </a:tc>
+                <a:tc>
+                  <a:txBody>
+                    <a:bodyPr/>
+                    <a:lstStyle/>
+                    <a:p>
+                      <a:pPr algn="ctr"/>
+                      <a:r>
+                        <a:rPr lang="en-IN" dirty="0"/>
+                        <a:t>Final metric only</a:t>
+                      </a:r>
+                    </a:p>
+                  </a:txBody>
+                  <a:tcPr/>
+                </a:tc>
+                <a:extLst>
+                  <a:ext uri="{0D108BD9-81ED-4DB2-BD59-A6C34878D82A}">
+                    <a16:rowId xmlns:a16="http://schemas.microsoft.com/office/drawing/2014/main" val="2130839240"/>
+                  </a:ext>
+                </a:extLst>
+              </a:tr>
+              <a:tr h="370840">
+                <a:tc>
+                  <a:txBody>
+                    <a:bodyPr/>
+                    <a:lstStyle/>
+                    <a:p>
+                      <a:r>
+                        <a:rPr lang="en-IN" dirty="0"/>
+                        <a:t>Visualise metrics</a:t>
+                      </a:r>
+                    </a:p>
+                  </a:txBody>
+                  <a:tcPr/>
+                </a:tc>
+                <a:tc>
+                  <a:txBody>
+                    <a:bodyPr/>
+                    <a:lstStyle/>
+                    <a:p>
+                      <a:pPr algn="ctr"/>
+                      <a:endParaRPr lang="en-IN" dirty="0"/>
+                    </a:p>
+                  </a:txBody>
+                  <a:tcPr/>
+                </a:tc>
+                <a:tc>
+                  <a:txBody>
+                    <a:bodyPr/>
+                    <a:lstStyle/>
+                    <a:p>
+                      <a:pPr algn="ctr"/>
+                      <a:endParaRPr lang="en-IN" dirty="0"/>
+                    </a:p>
+                  </a:txBody>
+                  <a:tcPr/>
+                </a:tc>
+                <a:extLst>
+                  <a:ext uri="{0D108BD9-81ED-4DB2-BD59-A6C34878D82A}">
+                    <a16:rowId xmlns:a16="http://schemas.microsoft.com/office/drawing/2014/main" val="132675121"/>
+                  </a:ext>
+                </a:extLst>
+              </a:tr>
+              <a:tr h="370840">
+                <a:tc>
+                  <a:txBody>
+                    <a:bodyPr/>
+                    <a:lstStyle/>
+                    <a:p>
+                      <a:r>
+                        <a:rPr lang="en-IN" dirty="0"/>
+                        <a:t>Model registry</a:t>
+                      </a:r>
+                    </a:p>
+                  </a:txBody>
+                  <a:tcPr/>
+                </a:tc>
+                <a:tc>
+                  <a:txBody>
+                    <a:bodyPr/>
+                    <a:lstStyle/>
+                    <a:p>
+                      <a:pPr algn="ctr"/>
+                      <a:endParaRPr lang="en-IN"/>
+                    </a:p>
+                  </a:txBody>
+                  <a:tcPr/>
+                </a:tc>
+                <a:tc>
+                  <a:txBody>
+                    <a:bodyPr/>
+                    <a:lstStyle/>
+                    <a:p>
+                      <a:pPr algn="ctr"/>
+                      <a:endParaRPr lang="en-IN" dirty="0"/>
+                    </a:p>
+                  </a:txBody>
+                  <a:tcPr/>
+                </a:tc>
+                <a:extLst>
+                  <a:ext uri="{0D108BD9-81ED-4DB2-BD59-A6C34878D82A}">
+                    <a16:rowId xmlns:a16="http://schemas.microsoft.com/office/drawing/2014/main" val="430898771"/>
+                  </a:ext>
+                </a:extLst>
+              </a:tr>
+              <a:tr h="370840">
+                <a:tc>
+                  <a:txBody>
+                    <a:bodyPr/>
+                    <a:lstStyle/>
+                    <a:p>
+                      <a:r>
+                        <a:rPr lang="en-IN" dirty="0"/>
+                        <a:t>UI </a:t>
+                      </a:r>
+                    </a:p>
+                  </a:txBody>
+                  <a:tcPr/>
+                </a:tc>
+                <a:tc>
+                  <a:txBody>
+                    <a:bodyPr/>
+                    <a:lstStyle/>
+                    <a:p>
+                      <a:pPr algn="ctr"/>
+                      <a:endParaRPr lang="en-IN" dirty="0"/>
+                    </a:p>
+                  </a:txBody>
+                  <a:tcPr/>
+                </a:tc>
+                <a:tc>
+                  <a:txBody>
+                    <a:bodyPr/>
+                    <a:lstStyle/>
+                    <a:p>
+                      <a:pPr algn="ctr"/>
+                      <a:endParaRPr lang="en-IN" dirty="0"/>
+                    </a:p>
+                  </a:txBody>
+                  <a:tcPr/>
+                </a:tc>
+                <a:extLst>
+                  <a:ext uri="{0D108BD9-81ED-4DB2-BD59-A6C34878D82A}">
+                    <a16:rowId xmlns:a16="http://schemas.microsoft.com/office/drawing/2014/main" val="631116652"/>
+                  </a:ext>
+                </a:extLst>
+              </a:tr>
+              <a:tr h="370840">
+                <a:tc>
+                  <a:txBody>
+                    <a:bodyPr/>
+                    <a:lstStyle/>
+                    <a:p>
+                      <a:r>
+                        <a:rPr lang="en-IN" dirty="0"/>
+                        <a:t>Dependencies</a:t>
+                      </a:r>
+                    </a:p>
+                  </a:txBody>
+                  <a:tcPr/>
+                </a:tc>
+                <a:tc>
+                  <a:txBody>
+                    <a:bodyPr/>
+                    <a:lstStyle/>
+                    <a:p>
+                      <a:r>
+                        <a:rPr lang="en-IN" dirty="0"/>
+                        <a:t>Model env dependencies (packages, etc)</a:t>
+                      </a:r>
+                    </a:p>
+                  </a:txBody>
+                  <a:tcPr/>
+                </a:tc>
+                <a:tc>
+                  <a:txBody>
+                    <a:bodyPr/>
+                    <a:lstStyle/>
+                    <a:p>
+                      <a:endParaRPr lang="en-IN" dirty="0"/>
+                    </a:p>
+                  </a:txBody>
+                  <a:tcPr/>
+                </a:tc>
+                <a:extLst>
+                  <a:ext uri="{0D108BD9-81ED-4DB2-BD59-A6C34878D82A}">
+                    <a16:rowId xmlns:a16="http://schemas.microsoft.com/office/drawing/2014/main" val="4221022326"/>
+                  </a:ext>
+                </a:extLst>
+              </a:tr>
+            </a:tbl>
+          </a:graphicData>
+        </a:graphic>
+      </p:graphicFrame>
+      <p:pic>
+        <p:nvPicPr>
+          <p:cNvPr id="4" name="Graphic 3" descr="Checkmark with solid fill">
+            <a:extLst>
+              <a:ext uri="{FF2B5EF4-FFF2-40B4-BE49-F238E27FC236}">
+                <a16:creationId xmlns:a16="http://schemas.microsoft.com/office/drawing/2014/main" id="{2D251879-DB41-B0D5-297D-4C9B948AFCF6}"/>
+              </a:ext>
+            </a:extLst>
+          </p:cNvPr>
+          <p:cNvPicPr>
+            <a:picLocks noChangeAspect="1"/>
+          </p:cNvPicPr>
+          <p:nvPr/>
+        </p:nvPicPr>
+        <p:blipFill>
+          <a:blip r:embed="rId2">
+            <a:extLst>
+              <a:ext uri="{28A0092B-C50C-407E-A947-70E740481C1C}">
+                <a14:useLocalDpi xmlns:a14="http://schemas.microsoft.com/office/drawing/2010/main" val="0"/>
+              </a:ext>
+              <a:ext uri="{96DAC541-7B7A-43D3-8B79-37D633B846F1}">
+                <asvg:svgBlip xmlns:asvg="http://schemas.microsoft.com/office/drawing/2016/SVG/main" r:embed="rId3"/>
+              </a:ext>
+            </a:extLst>
+          </a:blip>
+          <a:stretch>
+            <a:fillRect/>
+          </a:stretch>
+        </p:blipFill>
+        <p:spPr>
+          <a:xfrm>
+            <a:off x="4858138" y="1693507"/>
+            <a:ext cx="311020" cy="311020"/>
+          </a:xfrm>
+          <a:prstGeom prst="rect">
+            <a:avLst/>
+          </a:prstGeom>
+        </p:spPr>
+      </p:pic>
+      <p:pic>
+        <p:nvPicPr>
+          <p:cNvPr id="5" name="Graphic 4" descr="Close with solid fill">
+            <a:extLst>
+              <a:ext uri="{FF2B5EF4-FFF2-40B4-BE49-F238E27FC236}">
+                <a16:creationId xmlns:a16="http://schemas.microsoft.com/office/drawing/2014/main" id="{DB69A804-A99A-FC4D-6CAF-20317B3ECDBF}"/>
+              </a:ext>
+            </a:extLst>
+          </p:cNvPr>
+          <p:cNvPicPr>
+            <a:picLocks noChangeAspect="1"/>
+          </p:cNvPicPr>
+          <p:nvPr/>
+        </p:nvPicPr>
+        <p:blipFill>
+          <a:blip r:embed="rId4">
+            <a:extLst>
+              <a:ext uri="{28A0092B-C50C-407E-A947-70E740481C1C}">
+                <a14:useLocalDpi xmlns:a14="http://schemas.microsoft.com/office/drawing/2010/main" val="0"/>
+              </a:ext>
+              <a:ext uri="{96DAC541-7B7A-43D3-8B79-37D633B846F1}">
+                <asvg:svgBlip xmlns:asvg="http://schemas.microsoft.com/office/drawing/2016/SVG/main" r:embed="rId5"/>
+              </a:ext>
+            </a:extLst>
+          </a:blip>
+          <a:stretch>
+            <a:fillRect/>
+          </a:stretch>
+        </p:blipFill>
+        <p:spPr>
+          <a:xfrm>
+            <a:off x="4858138" y="2079519"/>
+            <a:ext cx="311020" cy="311020"/>
+          </a:xfrm>
+          <a:prstGeom prst="rect">
+            <a:avLst/>
+          </a:prstGeom>
+        </p:spPr>
+      </p:pic>
+      <p:pic>
+        <p:nvPicPr>
+          <p:cNvPr id="6" name="Graphic 5" descr="Checkmark with solid fill">
+            <a:extLst>
+              <a:ext uri="{FF2B5EF4-FFF2-40B4-BE49-F238E27FC236}">
+                <a16:creationId xmlns:a16="http://schemas.microsoft.com/office/drawing/2014/main" id="{51ABA96E-D41E-F887-3FAB-08D5EF5D2EAC}"/>
+              </a:ext>
+            </a:extLst>
+          </p:cNvPr>
+          <p:cNvPicPr>
+            <a:picLocks noChangeAspect="1"/>
+          </p:cNvPicPr>
+          <p:nvPr/>
+        </p:nvPicPr>
+        <p:blipFill>
+          <a:blip r:embed="rId2">
+            <a:extLst>
+              <a:ext uri="{28A0092B-C50C-407E-A947-70E740481C1C}">
+                <a14:useLocalDpi xmlns:a14="http://schemas.microsoft.com/office/drawing/2010/main" val="0"/>
+              </a:ext>
+              <a:ext uri="{96DAC541-7B7A-43D3-8B79-37D633B846F1}">
+                <asvg:svgBlip xmlns:asvg="http://schemas.microsoft.com/office/drawing/2016/SVG/main" r:embed="rId3"/>
+              </a:ext>
+            </a:extLst>
+          </a:blip>
+          <a:stretch>
+            <a:fillRect/>
+          </a:stretch>
+        </p:blipFill>
+        <p:spPr>
+          <a:xfrm>
+            <a:off x="4858138" y="3214363"/>
+            <a:ext cx="311020" cy="311020"/>
+          </a:xfrm>
+          <a:prstGeom prst="rect">
+            <a:avLst/>
+          </a:prstGeom>
+        </p:spPr>
+      </p:pic>
+      <p:pic>
+        <p:nvPicPr>
+          <p:cNvPr id="7" name="Graphic 6" descr="Checkmark with solid fill">
+            <a:extLst>
+              <a:ext uri="{FF2B5EF4-FFF2-40B4-BE49-F238E27FC236}">
+                <a16:creationId xmlns:a16="http://schemas.microsoft.com/office/drawing/2014/main" id="{664A1AF1-066A-4F58-0A4D-FD097AD0B1BA}"/>
+              </a:ext>
+            </a:extLst>
+          </p:cNvPr>
+          <p:cNvPicPr>
+            <a:picLocks noChangeAspect="1"/>
+          </p:cNvPicPr>
+          <p:nvPr/>
+        </p:nvPicPr>
+        <p:blipFill>
+          <a:blip r:embed="rId2">
+            <a:extLst>
+              <a:ext uri="{28A0092B-C50C-407E-A947-70E740481C1C}">
+                <a14:useLocalDpi xmlns:a14="http://schemas.microsoft.com/office/drawing/2010/main" val="0"/>
+              </a:ext>
+              <a:ext uri="{96DAC541-7B7A-43D3-8B79-37D633B846F1}">
+                <asvg:svgBlip xmlns:asvg="http://schemas.microsoft.com/office/drawing/2016/SVG/main" r:embed="rId3"/>
+              </a:ext>
+            </a:extLst>
+          </a:blip>
+          <a:stretch>
+            <a:fillRect/>
+          </a:stretch>
+        </p:blipFill>
+        <p:spPr>
+          <a:xfrm>
+            <a:off x="4858138" y="3525383"/>
+            <a:ext cx="311020" cy="311020"/>
+          </a:xfrm>
+          <a:prstGeom prst="rect">
+            <a:avLst/>
+          </a:prstGeom>
+        </p:spPr>
+      </p:pic>
+      <p:pic>
+        <p:nvPicPr>
+          <p:cNvPr id="8" name="Graphic 7" descr="Checkmark with solid fill">
+            <a:extLst>
+              <a:ext uri="{FF2B5EF4-FFF2-40B4-BE49-F238E27FC236}">
+                <a16:creationId xmlns:a16="http://schemas.microsoft.com/office/drawing/2014/main" id="{5A1EAC1E-B330-E8AA-041D-527691AA47CD}"/>
+              </a:ext>
+            </a:extLst>
+          </p:cNvPr>
+          <p:cNvPicPr>
+            <a:picLocks noChangeAspect="1"/>
+          </p:cNvPicPr>
+          <p:nvPr/>
+        </p:nvPicPr>
+        <p:blipFill>
+          <a:blip r:embed="rId2">
+            <a:extLst>
+              <a:ext uri="{28A0092B-C50C-407E-A947-70E740481C1C}">
+                <a14:useLocalDpi xmlns:a14="http://schemas.microsoft.com/office/drawing/2010/main" val="0"/>
+              </a:ext>
+              <a:ext uri="{96DAC541-7B7A-43D3-8B79-37D633B846F1}">
+                <asvg:svgBlip xmlns:asvg="http://schemas.microsoft.com/office/drawing/2016/SVG/main" r:embed="rId3"/>
+              </a:ext>
+            </a:extLst>
+          </a:blip>
+          <a:stretch>
+            <a:fillRect/>
+          </a:stretch>
+        </p:blipFill>
+        <p:spPr>
+          <a:xfrm>
+            <a:off x="7567126" y="1691952"/>
+            <a:ext cx="311020" cy="311020"/>
+          </a:xfrm>
+          <a:prstGeom prst="rect">
+            <a:avLst/>
+          </a:prstGeom>
+        </p:spPr>
+      </p:pic>
+      <p:pic>
+        <p:nvPicPr>
+          <p:cNvPr id="9" name="Graphic 8" descr="Checkmark with solid fill">
+            <a:extLst>
+              <a:ext uri="{FF2B5EF4-FFF2-40B4-BE49-F238E27FC236}">
+                <a16:creationId xmlns:a16="http://schemas.microsoft.com/office/drawing/2014/main" id="{49D0B7F5-CC7D-7AAA-7C50-73EE87FB9430}"/>
+              </a:ext>
+            </a:extLst>
+          </p:cNvPr>
+          <p:cNvPicPr>
+            <a:picLocks noChangeAspect="1"/>
+          </p:cNvPicPr>
+          <p:nvPr/>
+        </p:nvPicPr>
+        <p:blipFill>
+          <a:blip r:embed="rId2">
+            <a:extLst>
+              <a:ext uri="{28A0092B-C50C-407E-A947-70E740481C1C}">
+                <a14:useLocalDpi xmlns:a14="http://schemas.microsoft.com/office/drawing/2010/main" val="0"/>
+              </a:ext>
+              <a:ext uri="{96DAC541-7B7A-43D3-8B79-37D633B846F1}">
+                <asvg:svgBlip xmlns:asvg="http://schemas.microsoft.com/office/drawing/2016/SVG/main" r:embed="rId3"/>
+              </a:ext>
+            </a:extLst>
+          </a:blip>
+          <a:stretch>
+            <a:fillRect/>
+          </a:stretch>
+        </p:blipFill>
+        <p:spPr>
+          <a:xfrm>
+            <a:off x="7567126" y="2104401"/>
+            <a:ext cx="311020" cy="311020"/>
+          </a:xfrm>
+          <a:prstGeom prst="rect">
+            <a:avLst/>
+          </a:prstGeom>
+        </p:spPr>
+      </p:pic>
+      <p:pic>
+        <p:nvPicPr>
+          <p:cNvPr id="10" name="Graphic 9" descr="Checkmark with solid fill">
+            <a:extLst>
+              <a:ext uri="{FF2B5EF4-FFF2-40B4-BE49-F238E27FC236}">
+                <a16:creationId xmlns:a16="http://schemas.microsoft.com/office/drawing/2014/main" id="{F531BC6C-C416-DA85-497B-8FEB4E773A88}"/>
+              </a:ext>
+            </a:extLst>
+          </p:cNvPr>
+          <p:cNvPicPr>
+            <a:picLocks noChangeAspect="1"/>
+          </p:cNvPicPr>
+          <p:nvPr/>
+        </p:nvPicPr>
+        <p:blipFill>
+          <a:blip r:embed="rId2">
+            <a:extLst>
+              <a:ext uri="{28A0092B-C50C-407E-A947-70E740481C1C}">
+                <a14:useLocalDpi xmlns:a14="http://schemas.microsoft.com/office/drawing/2010/main" val="0"/>
+              </a:ext>
+              <a:ext uri="{96DAC541-7B7A-43D3-8B79-37D633B846F1}">
+                <asvg:svgBlip xmlns:asvg="http://schemas.microsoft.com/office/drawing/2016/SVG/main" r:embed="rId3"/>
+              </a:ext>
+            </a:extLst>
+          </a:blip>
+          <a:stretch>
+            <a:fillRect/>
+          </a:stretch>
+        </p:blipFill>
+        <p:spPr>
+          <a:xfrm>
+            <a:off x="7567126" y="2479835"/>
+            <a:ext cx="311020" cy="311020"/>
+          </a:xfrm>
+          <a:prstGeom prst="rect">
+            <a:avLst/>
+          </a:prstGeom>
+        </p:spPr>
+      </p:pic>
+      <p:pic>
+        <p:nvPicPr>
+          <p:cNvPr id="11" name="Graphic 10" descr="Close with solid fill">
+            <a:extLst>
+              <a:ext uri="{FF2B5EF4-FFF2-40B4-BE49-F238E27FC236}">
+                <a16:creationId xmlns:a16="http://schemas.microsoft.com/office/drawing/2014/main" id="{F039D47C-30F8-749C-9C8A-AE7B7E61B868}"/>
+              </a:ext>
+            </a:extLst>
+          </p:cNvPr>
+          <p:cNvPicPr>
+            <a:picLocks noChangeAspect="1"/>
+          </p:cNvPicPr>
+          <p:nvPr/>
+        </p:nvPicPr>
+        <p:blipFill>
+          <a:blip r:embed="rId4">
+            <a:extLst>
+              <a:ext uri="{28A0092B-C50C-407E-A947-70E740481C1C}">
+                <a14:useLocalDpi xmlns:a14="http://schemas.microsoft.com/office/drawing/2010/main" val="0"/>
+              </a:ext>
+              <a:ext uri="{96DAC541-7B7A-43D3-8B79-37D633B846F1}">
+                <asvg:svgBlip xmlns:asvg="http://schemas.microsoft.com/office/drawing/2016/SVG/main" r:embed="rId5"/>
+              </a:ext>
+            </a:extLst>
+          </a:blip>
+          <a:stretch>
+            <a:fillRect/>
+          </a:stretch>
+        </p:blipFill>
+        <p:spPr>
+          <a:xfrm>
+            <a:off x="7567126" y="3560148"/>
+            <a:ext cx="311020" cy="311020"/>
+          </a:xfrm>
+          <a:prstGeom prst="rect">
+            <a:avLst/>
+          </a:prstGeom>
+        </p:spPr>
+      </p:pic>
+      <p:pic>
+        <p:nvPicPr>
+          <p:cNvPr id="12" name="Graphic 11" descr="Close with solid fill">
+            <a:extLst>
+              <a:ext uri="{FF2B5EF4-FFF2-40B4-BE49-F238E27FC236}">
+                <a16:creationId xmlns:a16="http://schemas.microsoft.com/office/drawing/2014/main" id="{C547F452-D439-F74F-55F0-4A9D81517540}"/>
+              </a:ext>
+            </a:extLst>
+          </p:cNvPr>
+          <p:cNvPicPr>
+            <a:picLocks noChangeAspect="1"/>
+          </p:cNvPicPr>
+          <p:nvPr/>
+        </p:nvPicPr>
+        <p:blipFill>
+          <a:blip r:embed="rId4">
+            <a:extLst>
+              <a:ext uri="{28A0092B-C50C-407E-A947-70E740481C1C}">
+                <a14:useLocalDpi xmlns:a14="http://schemas.microsoft.com/office/drawing/2010/main" val="0"/>
+              </a:ext>
+              <a:ext uri="{96DAC541-7B7A-43D3-8B79-37D633B846F1}">
+                <asvg:svgBlip xmlns:asvg="http://schemas.microsoft.com/office/drawing/2016/SVG/main" r:embed="rId5"/>
+              </a:ext>
+            </a:extLst>
+          </a:blip>
+          <a:stretch>
+            <a:fillRect/>
+          </a:stretch>
+        </p:blipFill>
+        <p:spPr>
+          <a:xfrm>
+            <a:off x="7567126" y="3930503"/>
+            <a:ext cx="311020" cy="311020"/>
+          </a:xfrm>
+          <a:prstGeom prst="rect">
+            <a:avLst/>
+          </a:prstGeom>
+        </p:spPr>
+      </p:pic>
+      <p:pic>
+        <p:nvPicPr>
+          <p:cNvPr id="13" name="Graphic 12" descr="Checkmark with solid fill">
+            <a:extLst>
+              <a:ext uri="{FF2B5EF4-FFF2-40B4-BE49-F238E27FC236}">
+                <a16:creationId xmlns:a16="http://schemas.microsoft.com/office/drawing/2014/main" id="{38A8217D-F56C-6858-FF8B-7688006E4DF6}"/>
+              </a:ext>
+            </a:extLst>
+          </p:cNvPr>
+          <p:cNvPicPr>
+            <a:picLocks noChangeAspect="1"/>
+          </p:cNvPicPr>
+          <p:nvPr/>
+        </p:nvPicPr>
+        <p:blipFill>
+          <a:blip r:embed="rId2">
+            <a:extLst>
+              <a:ext uri="{28A0092B-C50C-407E-A947-70E740481C1C}">
+                <a14:useLocalDpi xmlns:a14="http://schemas.microsoft.com/office/drawing/2010/main" val="0"/>
+              </a:ext>
+              <a:ext uri="{96DAC541-7B7A-43D3-8B79-37D633B846F1}">
+                <asvg:svgBlip xmlns:asvg="http://schemas.microsoft.com/office/drawing/2016/SVG/main" r:embed="rId3"/>
+              </a:ext>
+            </a:extLst>
+          </a:blip>
+          <a:stretch>
+            <a:fillRect/>
+          </a:stretch>
+        </p:blipFill>
+        <p:spPr>
+          <a:xfrm>
+            <a:off x="4858138" y="3886236"/>
+            <a:ext cx="311020" cy="311020"/>
+          </a:xfrm>
+          <a:prstGeom prst="rect">
+            <a:avLst/>
+          </a:prstGeom>
+        </p:spPr>
+      </p:pic>
+      <p:pic>
+        <p:nvPicPr>
+          <p:cNvPr id="14" name="Graphic 13" descr="Checkmark with solid fill">
+            <a:extLst>
+              <a:ext uri="{FF2B5EF4-FFF2-40B4-BE49-F238E27FC236}">
+                <a16:creationId xmlns:a16="http://schemas.microsoft.com/office/drawing/2014/main" id="{EA60600D-73D3-1872-AFF3-6888148520DC}"/>
+              </a:ext>
+            </a:extLst>
+          </p:cNvPr>
+          <p:cNvPicPr>
+            <a:picLocks noChangeAspect="1"/>
+          </p:cNvPicPr>
+          <p:nvPr/>
+        </p:nvPicPr>
+        <p:blipFill>
+          <a:blip r:embed="rId2">
+            <a:extLst>
+              <a:ext uri="{28A0092B-C50C-407E-A947-70E740481C1C}">
+                <a14:useLocalDpi xmlns:a14="http://schemas.microsoft.com/office/drawing/2010/main" val="0"/>
+              </a:ext>
+              <a:ext uri="{96DAC541-7B7A-43D3-8B79-37D633B846F1}">
+                <asvg:svgBlip xmlns:asvg="http://schemas.microsoft.com/office/drawing/2016/SVG/main" r:embed="rId3"/>
+              </a:ext>
+            </a:extLst>
+          </a:blip>
+          <a:stretch>
+            <a:fillRect/>
+          </a:stretch>
+        </p:blipFill>
+        <p:spPr>
+          <a:xfrm>
+            <a:off x="4858138" y="4295555"/>
+            <a:ext cx="311020" cy="311020"/>
+          </a:xfrm>
+          <a:prstGeom prst="rect">
+            <a:avLst/>
+          </a:prstGeom>
+        </p:spPr>
+      </p:pic>
+      <p:pic>
+        <p:nvPicPr>
+          <p:cNvPr id="15" name="Graphic 14" descr="Close with solid fill">
+            <a:extLst>
+              <a:ext uri="{FF2B5EF4-FFF2-40B4-BE49-F238E27FC236}">
+                <a16:creationId xmlns:a16="http://schemas.microsoft.com/office/drawing/2014/main" id="{DA8462F8-AAEF-C3F8-FAB7-7EC0A979C66A}"/>
+              </a:ext>
+            </a:extLst>
+          </p:cNvPr>
+          <p:cNvPicPr>
+            <a:picLocks noChangeAspect="1"/>
+          </p:cNvPicPr>
+          <p:nvPr/>
+        </p:nvPicPr>
+        <p:blipFill>
+          <a:blip r:embed="rId4">
+            <a:extLst>
+              <a:ext uri="{28A0092B-C50C-407E-A947-70E740481C1C}">
+                <a14:useLocalDpi xmlns:a14="http://schemas.microsoft.com/office/drawing/2010/main" val="0"/>
+              </a:ext>
+              <a:ext uri="{96DAC541-7B7A-43D3-8B79-37D633B846F1}">
+                <asvg:svgBlip xmlns:asvg="http://schemas.microsoft.com/office/drawing/2016/SVG/main" r:embed="rId5"/>
+              </a:ext>
+            </a:extLst>
+          </a:blip>
+          <a:stretch>
+            <a:fillRect/>
+          </a:stretch>
+        </p:blipFill>
+        <p:spPr>
+          <a:xfrm>
+            <a:off x="7567126" y="4280367"/>
+            <a:ext cx="311020" cy="311020"/>
+          </a:xfrm>
+          <a:prstGeom prst="rect">
+            <a:avLst/>
+          </a:prstGeom>
+        </p:spPr>
+      </p:pic>
+      <p:pic>
+        <p:nvPicPr>
+          <p:cNvPr id="16" name="Graphic 15" descr="Checkmark with solid fill">
+            <a:extLst>
+              <a:ext uri="{FF2B5EF4-FFF2-40B4-BE49-F238E27FC236}">
+                <a16:creationId xmlns:a16="http://schemas.microsoft.com/office/drawing/2014/main" id="{4377B218-0D94-B922-BE3B-CEE4737188A1}"/>
+              </a:ext>
+            </a:extLst>
+          </p:cNvPr>
+          <p:cNvPicPr>
+            <a:picLocks noChangeAspect="1"/>
+          </p:cNvPicPr>
+          <p:nvPr/>
+        </p:nvPicPr>
+        <p:blipFill>
+          <a:blip r:embed="rId2">
+            <a:extLst>
+              <a:ext uri="{28A0092B-C50C-407E-A947-70E740481C1C}">
+                <a14:useLocalDpi xmlns:a14="http://schemas.microsoft.com/office/drawing/2010/main" val="0"/>
+              </a:ext>
+              <a:ext uri="{96DAC541-7B7A-43D3-8B79-37D633B846F1}">
+                <asvg:svgBlip xmlns:asvg="http://schemas.microsoft.com/office/drawing/2016/SVG/main" r:embed="rId3"/>
+              </a:ext>
+            </a:extLst>
+          </a:blip>
+          <a:stretch>
+            <a:fillRect/>
+          </a:stretch>
+        </p:blipFill>
+        <p:spPr>
+          <a:xfrm>
+            <a:off x="7567126" y="2819920"/>
+            <a:ext cx="311020" cy="311020"/>
+          </a:xfrm>
+          <a:prstGeom prst="rect">
+            <a:avLst/>
+          </a:prstGeom>
+        </p:spPr>
+      </p:pic>
+      <p:sp>
+        <p:nvSpPr>
+          <p:cNvPr id="17" name="TextBox 16">
+            <a:extLst>
+              <a:ext uri="{FF2B5EF4-FFF2-40B4-BE49-F238E27FC236}">
+                <a16:creationId xmlns:a16="http://schemas.microsoft.com/office/drawing/2014/main" id="{CA2FF218-6257-113C-7B12-E78FF6F67A39}"/>
+              </a:ext>
+            </a:extLst>
+          </p:cNvPr>
+          <p:cNvSpPr txBox="1"/>
+          <p:nvPr/>
+        </p:nvSpPr>
+        <p:spPr>
+          <a:xfrm>
+            <a:off x="606489" y="589098"/>
+            <a:ext cx="6232849" cy="461665"/>
+          </a:xfrm>
+          <a:prstGeom prst="rect">
+            <a:avLst/>
+          </a:prstGeom>
+          <a:noFill/>
+        </p:spPr>
+        <p:txBody>
+          <a:bodyPr wrap="square" rtlCol="0">
+            <a:spAutoFit/>
+          </a:bodyPr>
+          <a:lstStyle/>
+          <a:p>
+            <a:r>
+              <a:rPr lang="en-IN" sz="2400" dirty="0">
+                <a:solidFill>
+                  <a:schemeClr val="accent2">
+                    <a:lumMod val="75000"/>
+                  </a:schemeClr>
+                </a:solidFill>
+              </a:rPr>
+              <a:t>Feature difference between MLFLOW and DVC</a:t>
+            </a:r>
+          </a:p>
+        </p:txBody>
+      </p:sp>
+    </p:spTree>
+    <p:extLst>
+      <p:ext uri="{BB962C8B-B14F-4D97-AF65-F5344CB8AC3E}">
+        <p14:creationId xmlns:p14="http://schemas.microsoft.com/office/powerpoint/2010/main" val="354766033"/>
+      </p:ext>
+    </p:extLst>
+  </p:cSld>
+  <p:clrMapOvr>
+    <a:masterClrMapping/>
+  </p:clrMapOvr>
+</p:sld>
+</file>
+
+<file path=ppt/slides/slide8.xml><?xml version="1.0" encoding="utf-8"?>
+<p:sld xmlns:a="http://schemas.openxmlformats.org/drawingml/2006/main" xmlns:r="http://schemas.openxmlformats.org/officeDocument/2006/relationships" xmlns:p="http://schemas.openxmlformats.org/presentationml/2006/main">
+  <p:cSld>
+    <p:spTree>
+      <p:nvGrpSpPr>
+        <p:cNvPr id="1" name=""/>
+        <p:cNvGrpSpPr/>
+        <p:nvPr/>
+      </p:nvGrpSpPr>
+      <p:grpSpPr>
+        <a:xfrm>
+          <a:off x="0" y="0"/>
+          <a:ext cx="0" cy="0"/>
+          <a:chOff x="0" y="0"/>
+          <a:chExt cx="0" cy="0"/>
+        </a:xfrm>
+      </p:grpSpPr>
+      <p:sp>
+        <p:nvSpPr>
           <p:cNvPr id="18" name="Rectangle 17">
             <a:extLst>
               <a:ext uri="{FF2B5EF4-FFF2-40B4-BE49-F238E27FC236}">
